--- a/slide.pptx
+++ b/slide.pptx
@@ -10149,7 +10149,7 @@
         <p:spPr>
           <a:xfrm>
             <a:off x="726830" y="1569025"/>
-            <a:ext cx="6822831" cy="4462760"/>
+            <a:ext cx="6822831" cy="3354765"/>
           </a:xfrm>
           <a:prstGeom prst="rect">
             <a:avLst/>
@@ -10180,7 +10180,7 @@
               <a:defRPr/>
             </a:pPr>
             <a:r>
-              <a:rPr lang="en-US" altLang="zh-CN" sz="2400" dirty="0">
+              <a:rPr lang="en-US" altLang="zh-CN" sz="2000" dirty="0">
                 <a:solidFill>
                   <a:prstClr val="black"/>
                 </a:solidFill>
@@ -10209,7 +10209,7 @@
               <a:defRPr/>
             </a:pPr>
             <a:r>
-              <a:rPr lang="en-US" altLang="zh-CN" sz="2400" dirty="0">
+              <a:rPr lang="en-US" altLang="zh-CN" sz="2000" dirty="0">
                 <a:solidFill>
                   <a:prstClr val="black"/>
                 </a:solidFill>
@@ -10238,7 +10238,7 @@
               <a:defRPr/>
             </a:pPr>
             <a:r>
-              <a:rPr lang="pl-PL" altLang="zh-CN" sz="2400" dirty="0">
+              <a:rPr lang="pl-PL" altLang="zh-CN" sz="2000" dirty="0">
                 <a:solidFill>
                   <a:prstClr val="black"/>
                 </a:solidFill>
@@ -10247,7 +10247,7 @@
               </a:rPr>
               <a:t>d(u,w) for all w ∈ V [G]</a:t>
             </a:r>
-            <a:endParaRPr lang="en-US" altLang="zh-CN" sz="2400" dirty="0">
+            <a:endParaRPr lang="en-US" altLang="zh-CN" sz="2000" dirty="0">
               <a:solidFill>
                 <a:prstClr val="black"/>
               </a:solidFill>
@@ -10274,7 +10274,7 @@
               <a:defRPr/>
             </a:pPr>
             <a:r>
-              <a:rPr lang="en-US" altLang="zh-CN" sz="2400" dirty="0">
+              <a:rPr lang="en-US" altLang="zh-CN" sz="2000" dirty="0">
                 <a:solidFill>
                   <a:prstClr val="black"/>
                 </a:solidFill>
@@ -10284,7 +10284,7 @@
               <a:t>L[</a:t>
             </a:r>
             <a:r>
-              <a:rPr lang="en-US" altLang="zh-CN" sz="2400" dirty="0" err="1">
+              <a:rPr lang="en-US" altLang="zh-CN" sz="2000" dirty="0" err="1">
                 <a:solidFill>
                   <a:prstClr val="black"/>
                 </a:solidFill>
@@ -10294,7 +10294,7 @@
               <a:t>i</a:t>
             </a:r>
             <a:r>
-              <a:rPr lang="en-US" altLang="zh-CN" sz="2400" dirty="0">
+              <a:rPr lang="en-US" altLang="zh-CN" sz="2000" dirty="0">
                 <a:solidFill>
                   <a:prstClr val="black"/>
                 </a:solidFill>
@@ -10304,7 +10304,7 @@
               <a:t>]: set of nodes in BFS level </a:t>
             </a:r>
             <a:r>
-              <a:rPr lang="en-US" altLang="zh-CN" sz="2400" dirty="0" err="1">
+              <a:rPr lang="en-US" altLang="zh-CN" sz="2000" dirty="0" err="1">
                 <a:solidFill>
                   <a:prstClr val="black"/>
                 </a:solidFill>
@@ -10314,7 +10314,7 @@
               <a:t>i</a:t>
             </a:r>
             <a:r>
-              <a:rPr lang="en-US" altLang="zh-CN" sz="2400" dirty="0">
+              <a:rPr lang="en-US" altLang="zh-CN" sz="2000" dirty="0">
                 <a:solidFill>
                   <a:prstClr val="black"/>
                 </a:solidFill>
@@ -10343,7 +10343,7 @@
               <a:defRPr/>
             </a:pPr>
             <a:r>
-              <a:rPr lang="en-US" altLang="zh-CN" sz="2400" dirty="0">
+              <a:rPr lang="en-US" altLang="zh-CN" sz="2000" dirty="0">
                 <a:solidFill>
                   <a:prstClr val="black"/>
                 </a:solidFill>
@@ -10372,7 +10372,7 @@
               <a:defRPr/>
             </a:pPr>
             <a:r>
-              <a:rPr lang="en-US" altLang="zh-CN" sz="2400" dirty="0" err="1">
+              <a:rPr lang="en-US" altLang="zh-CN" sz="2000" dirty="0" err="1">
                 <a:solidFill>
                   <a:prstClr val="black"/>
                 </a:solidFill>
@@ -10382,7 +10382,7 @@
               <a:t>Adj_lists</a:t>
             </a:r>
             <a:r>
-              <a:rPr lang="en-US" altLang="zh-CN" sz="2400" dirty="0">
+              <a:rPr lang="en-US" altLang="zh-CN" sz="2000" dirty="0">
                 <a:solidFill>
                   <a:prstClr val="black"/>
                 </a:solidFill>
@@ -10393,24 +10393,76 @@
             </a:r>
           </a:p>
           <a:p>
-            <a:pPr marL="0" marR="0" lvl="0" indent="0" algn="l" defTabSz="914400" rtl="0" eaLnBrk="1" fontAlgn="auto" latinLnBrk="0" hangingPunct="1">
-              <a:lnSpc>
-                <a:spcPct val="100000"/>
-              </a:lnSpc>
-              <a:spcBef>
-                <a:spcPts val="0"/>
-              </a:spcBef>
-              <a:spcAft>
-                <a:spcPts val="0"/>
-              </a:spcAft>
-              <a:buClrTx/>
-              <a:buSzTx/>
-              <a:buFontTx/>
-              <a:buNone/>
-              <a:tabLst/>
+            <a:pPr lvl="0">
               <a:defRPr/>
             </a:pPr>
-            <a:endParaRPr kumimoji="0" lang="en-US" altLang="zh-CN" sz="2800" b="0" i="0" u="none" strike="noStrike" kern="1200" cap="none" spc="0" normalizeH="0" baseline="0" noProof="0" dirty="0">
+            <a:r>
+              <a:rPr lang="en-US" altLang="zh-CN" sz="2000" dirty="0">
+                <a:solidFill>
+                  <a:prstClr val="black"/>
+                </a:solidFill>
+              </a:rPr>
+              <a:t>A(</a:t>
+            </a:r>
+            <a:r>
+              <a:rPr lang="en-US" altLang="zh-CN" sz="2000" dirty="0" err="1">
+                <a:solidFill>
+                  <a:prstClr val="black"/>
+                </a:solidFill>
+              </a:rPr>
+              <a:t>i</a:t>
+            </a:r>
+            <a:r>
+              <a:rPr lang="en-US" altLang="zh-CN" sz="2000" dirty="0">
+                <a:solidFill>
+                  <a:prstClr val="black"/>
+                </a:solidFill>
+              </a:rPr>
+              <a:t>): portion of </a:t>
+            </a:r>
+            <a:r>
+              <a:rPr lang="en-US" altLang="zh-CN" sz="2000" dirty="0" err="1">
+                <a:solidFill>
+                  <a:prstClr val="black"/>
+                </a:solidFill>
+                <a:latin typeface="CMMI10"/>
+              </a:rPr>
+              <a:t>Adj_lists</a:t>
+            </a:r>
+            <a:r>
+              <a:rPr lang="en-US" altLang="zh-CN" sz="2000" dirty="0">
+                <a:solidFill>
+                  <a:prstClr val="black"/>
+                </a:solidFill>
+                <a:latin typeface="CMMI10"/>
+              </a:rPr>
+              <a:t> </a:t>
+            </a:r>
+            <a:r>
+              <a:rPr lang="en-US" altLang="zh-CN" sz="2000" dirty="0">
+                <a:solidFill>
+                  <a:prstClr val="black"/>
+                </a:solidFill>
+              </a:rPr>
+              <a:t>with exactly distance </a:t>
+            </a:r>
+            <a:r>
+              <a:rPr lang="en-US" altLang="zh-CN" sz="2000" dirty="0" err="1">
+                <a:solidFill>
+                  <a:prstClr val="black"/>
+                </a:solidFill>
+              </a:rPr>
+              <a:t>i</a:t>
+            </a:r>
+            <a:r>
+              <a:rPr lang="en-US" altLang="zh-CN" sz="2000" dirty="0">
+                <a:solidFill>
+                  <a:prstClr val="black"/>
+                </a:solidFill>
+              </a:rPr>
+              <a:t> from u.</a:t>
+            </a:r>
+            <a:endParaRPr kumimoji="0" lang="en-US" altLang="zh-CN" sz="2000" b="0" i="0" u="none" strike="noStrike" kern="1200" cap="none" spc="0" normalizeH="0" baseline="0" noProof="0" dirty="0">
               <a:ln>
                 <a:noFill/>
               </a:ln>
@@ -10444,7 +10496,7 @@
               <a:defRPr/>
             </a:pPr>
             <a:r>
-              <a:rPr kumimoji="0" lang="en-US" altLang="zh-CN" sz="2800" b="0" i="0" u="none" strike="noStrike" kern="1200" cap="none" spc="0" normalizeH="0" baseline="0" noProof="0" dirty="0">
+              <a:rPr kumimoji="0" lang="en-US" altLang="zh-CN" sz="2400" b="0" i="0" u="none" strike="noStrike" kern="1200" cap="none" spc="0" normalizeH="0" baseline="0" noProof="0" dirty="0">
                 <a:ln>
                   <a:noFill/>
                 </a:ln>
@@ -10461,7 +10513,7 @@
               <a:t>1. Sort the </a:t>
             </a:r>
             <a:r>
-              <a:rPr kumimoji="0" lang="en-US" altLang="zh-CN" sz="2800" b="0" i="0" u="none" strike="noStrike" kern="1200" cap="none" spc="0" normalizeH="0" baseline="0" noProof="0" dirty="0" err="1">
+              <a:rPr kumimoji="0" lang="en-US" altLang="zh-CN" sz="2400" b="0" i="0" u="none" strike="noStrike" kern="1200" cap="none" spc="0" normalizeH="0" baseline="0" noProof="0" dirty="0" err="1">
                 <a:ln>
                   <a:noFill/>
                 </a:ln>
@@ -10478,7 +10530,7 @@
               <a:t>Adj_lists</a:t>
             </a:r>
             <a:r>
-              <a:rPr kumimoji="0" lang="en-US" altLang="zh-CN" sz="2800" b="0" i="0" u="none" strike="noStrike" kern="1200" cap="none" spc="0" normalizeH="0" baseline="0" noProof="0" dirty="0">
+              <a:rPr kumimoji="0" lang="en-US" altLang="zh-CN" sz="2400" b="0" i="0" u="none" strike="noStrike" kern="1200" cap="none" spc="0" normalizeH="0" baseline="0" noProof="0" dirty="0">
                 <a:ln>
                   <a:noFill/>
                 </a:ln>
@@ -10514,7 +10566,7 @@
               <a:defRPr/>
             </a:pPr>
             <a:r>
-              <a:rPr kumimoji="0" lang="es-ES" altLang="zh-CN" sz="2800" b="0" i="0" u="none" strike="noStrike" kern="1200" cap="none" spc="0" normalizeH="0" baseline="0" noProof="0" dirty="0">
+              <a:rPr kumimoji="0" lang="es-ES" altLang="zh-CN" sz="2400" b="0" i="0" u="none" strike="noStrike" kern="1200" cap="none" spc="0" normalizeH="0" baseline="0" noProof="0" dirty="0">
                 <a:ln>
                   <a:noFill/>
                 </a:ln>
@@ -10549,165 +10601,13 @@
               <a:tabLst/>
               <a:defRPr/>
             </a:pPr>
-            <a:r>
-              <a:rPr kumimoji="0" lang="en-US" altLang="zh-CN" sz="2800" b="0" i="0" u="none" strike="noStrike" kern="1200" cap="none" spc="0" normalizeH="0" baseline="0" noProof="0" dirty="0">
-                <a:ln>
-                  <a:noFill/>
-                </a:ln>
-                <a:solidFill>
-                  <a:prstClr val="black"/>
-                </a:solidFill>
-                <a:effectLst/>
-                <a:uLnTx/>
-                <a:uFillTx/>
-                <a:latin typeface="等线" panose="020F0502020204030204"/>
-                <a:ea typeface="等线" panose="02010600030101010101" pitchFamily="2" charset="-122"/>
-                <a:cs typeface="+mn-cs"/>
-              </a:rPr>
-              <a:t>Construct A(</a:t>
-            </a:r>
-            <a:r>
-              <a:rPr kumimoji="0" lang="en-US" altLang="zh-CN" sz="2800" b="0" i="0" u="none" strike="noStrike" kern="1200" cap="none" spc="0" normalizeH="0" baseline="0" noProof="0" dirty="0" err="1">
-                <a:ln>
-                  <a:noFill/>
-                </a:ln>
-                <a:solidFill>
-                  <a:prstClr val="black"/>
-                </a:solidFill>
-                <a:effectLst/>
-                <a:uLnTx/>
-                <a:uFillTx/>
-                <a:latin typeface="等线" panose="020F0502020204030204"/>
-                <a:ea typeface="等线" panose="02010600030101010101" pitchFamily="2" charset="-122"/>
-                <a:cs typeface="+mn-cs"/>
-              </a:rPr>
-              <a:t>i</a:t>
-            </a:r>
-            <a:r>
-              <a:rPr kumimoji="0" lang="en-US" altLang="zh-CN" sz="2800" b="0" i="0" u="none" strike="noStrike" kern="1200" cap="none" spc="0" normalizeH="0" baseline="0" noProof="0" dirty="0">
-                <a:ln>
-                  <a:noFill/>
-                </a:ln>
-                <a:solidFill>
-                  <a:prstClr val="black"/>
-                </a:solidFill>
-                <a:effectLst/>
-                <a:uLnTx/>
-                <a:uFillTx/>
-                <a:latin typeface="等线" panose="020F0502020204030204"/>
-                <a:ea typeface="等线" panose="02010600030101010101" pitchFamily="2" charset="-122"/>
-                <a:cs typeface="+mn-cs"/>
-              </a:rPr>
-              <a:t>): p</a:t>
-            </a:r>
-            <a:r>
-              <a:rPr lang="en-US" altLang="zh-CN" sz="2800" dirty="0">
-                <a:solidFill>
-                  <a:prstClr val="black"/>
-                </a:solidFill>
-                <a:latin typeface="等线" panose="020F0502020204030204"/>
-                <a:ea typeface="等线" panose="02010600030101010101" pitchFamily="2" charset="-122"/>
-              </a:rPr>
-              <a:t>ortion </a:t>
-            </a:r>
-            <a:r>
-              <a:rPr kumimoji="0" lang="en-US" altLang="zh-CN" sz="2800" b="0" i="0" u="none" strike="noStrike" kern="1200" cap="none" spc="0" normalizeH="0" baseline="0" noProof="0" dirty="0">
-                <a:ln>
-                  <a:noFill/>
-                </a:ln>
-                <a:solidFill>
-                  <a:prstClr val="black"/>
-                </a:solidFill>
-                <a:effectLst/>
-                <a:uLnTx/>
-                <a:uFillTx/>
-                <a:latin typeface="等线" panose="020F0502020204030204"/>
-                <a:ea typeface="等线" panose="02010600030101010101" pitchFamily="2" charset="-122"/>
-                <a:cs typeface="+mn-cs"/>
-              </a:rPr>
-              <a:t>of </a:t>
-            </a:r>
-            <a:r>
-              <a:rPr kumimoji="0" lang="en-US" altLang="zh-CN" sz="2800" b="0" i="0" u="none" strike="noStrike" kern="1200" cap="none" spc="0" normalizeH="0" baseline="0" noProof="0" dirty="0" err="1">
-                <a:ln>
-                  <a:noFill/>
-                </a:ln>
-                <a:solidFill>
-                  <a:prstClr val="black"/>
-                </a:solidFill>
-                <a:effectLst/>
-                <a:uLnTx/>
-                <a:uFillTx/>
-                <a:latin typeface="CMMI10"/>
-                <a:ea typeface="等线" panose="02010600030101010101" pitchFamily="2" charset="-122"/>
-                <a:cs typeface="+mn-cs"/>
-              </a:rPr>
-              <a:t>Adj_lists</a:t>
-            </a:r>
-            <a:r>
-              <a:rPr kumimoji="0" lang="en-US" altLang="zh-CN" sz="2800" b="0" i="0" u="none" strike="noStrike" kern="1200" cap="none" spc="0" normalizeH="0" baseline="0" noProof="0" dirty="0">
-                <a:ln>
-                  <a:noFill/>
-                </a:ln>
-                <a:solidFill>
-                  <a:prstClr val="black"/>
-                </a:solidFill>
-                <a:effectLst/>
-                <a:uLnTx/>
-                <a:uFillTx/>
-                <a:latin typeface="CMMI10"/>
-                <a:ea typeface="等线" panose="02010600030101010101" pitchFamily="2" charset="-122"/>
-                <a:cs typeface="+mn-cs"/>
-              </a:rPr>
-              <a:t> </a:t>
-            </a:r>
-            <a:r>
-              <a:rPr kumimoji="0" lang="en-US" altLang="zh-CN" sz="2800" b="0" i="0" u="none" strike="noStrike" kern="1200" cap="none" spc="0" normalizeH="0" baseline="0" noProof="0" dirty="0">
-                <a:ln>
-                  <a:noFill/>
-                </a:ln>
-                <a:solidFill>
-                  <a:prstClr val="black"/>
-                </a:solidFill>
-                <a:effectLst/>
-                <a:uLnTx/>
-                <a:uFillTx/>
-                <a:latin typeface="等线" panose="020F0502020204030204"/>
-                <a:ea typeface="等线" panose="02010600030101010101" pitchFamily="2" charset="-122"/>
-                <a:cs typeface="+mn-cs"/>
-              </a:rPr>
-              <a:t>with </a:t>
-            </a:r>
-            <a:r>
-              <a:rPr lang="en-US" altLang="zh-CN" sz="2800" dirty="0">
-                <a:solidFill>
-                  <a:prstClr val="black"/>
-                </a:solidFill>
-                <a:latin typeface="等线" panose="020F0502020204030204"/>
-                <a:ea typeface="等线" panose="02010600030101010101" pitchFamily="2" charset="-122"/>
-              </a:rPr>
-              <a:t>exactly distance </a:t>
-            </a:r>
-            <a:r>
-              <a:rPr lang="en-US" altLang="zh-CN" sz="2800" dirty="0" err="1">
-                <a:solidFill>
-                  <a:prstClr val="black"/>
-                </a:solidFill>
-                <a:latin typeface="等线" panose="020F0502020204030204"/>
-                <a:ea typeface="等线" panose="02010600030101010101" pitchFamily="2" charset="-122"/>
-              </a:rPr>
-              <a:t>i</a:t>
-            </a:r>
-            <a:r>
-              <a:rPr lang="en-US" altLang="zh-CN" sz="2800" dirty="0">
-                <a:solidFill>
-                  <a:prstClr val="black"/>
-                </a:solidFill>
-                <a:latin typeface="等线" panose="020F0502020204030204"/>
-                <a:ea typeface="等线" panose="02010600030101010101" pitchFamily="2" charset="-122"/>
-              </a:rPr>
-              <a:t> from u.</a:t>
-            </a:r>
+            <a:endParaRPr lang="en-US" altLang="zh-CN" sz="2400" dirty="0">
+              <a:solidFill>
+                <a:prstClr val="black"/>
+              </a:solidFill>
+              <a:latin typeface="等线" panose="020F0502020204030204"/>
+              <a:ea typeface="等线" panose="02010600030101010101" pitchFamily="2" charset="-122"/>
+            </a:endParaRPr>
           </a:p>
         </p:txBody>
       </p:sp>
@@ -10725,8 +10625,8 @@
         </p:nvSpPr>
         <p:spPr>
           <a:xfrm>
-            <a:off x="726830" y="6031785"/>
-            <a:ext cx="3260829" cy="584775"/>
+            <a:off x="726830" y="5491011"/>
+            <a:ext cx="7119257" cy="707886"/>
           </a:xfrm>
           <a:prstGeom prst="rect">
             <a:avLst/>
@@ -10739,41 +10639,63 @@
           </a:bodyPr>
           <a:lstStyle/>
           <a:p>
-            <a:pPr marL="0" marR="0" lvl="0" indent="0" algn="l" defTabSz="914400" rtl="0" eaLnBrk="1" fontAlgn="auto" latinLnBrk="0" hangingPunct="1">
-              <a:lnSpc>
-                <a:spcPct val="100000"/>
-              </a:lnSpc>
-              <a:spcBef>
-                <a:spcPts val="0"/>
-              </a:spcBef>
-              <a:spcAft>
-                <a:spcPts val="0"/>
-              </a:spcAft>
-              <a:buClrTx/>
-              <a:buSzTx/>
-              <a:buFontTx/>
-              <a:buNone/>
-              <a:tabLst/>
+            <a:pPr lvl="0">
               <a:defRPr/>
             </a:pPr>
             <a:r>
-              <a:rPr kumimoji="0" lang="en-US" altLang="zh-CN" sz="3200" b="0" i="0" u="none" strike="noStrike" kern="1200" cap="none" spc="0" normalizeH="0" baseline="0" noProof="0" dirty="0">
-                <a:ln>
-                  <a:noFill/>
-                </a:ln>
-                <a:solidFill>
-                  <a:prstClr val="black"/>
-                </a:solidFill>
-                <a:effectLst/>
-                <a:uLnTx/>
-                <a:uFillTx/>
+              <a:rPr lang="en-US" altLang="zh-CN" sz="2000" dirty="0" err="1">
+                <a:solidFill>
+                  <a:prstClr val="black"/>
+                </a:solidFill>
                 <a:latin typeface="等线" panose="020F0502020204030204"/>
                 <a:ea typeface="等线" panose="02010600030101010101" pitchFamily="2" charset="-122"/>
-                <a:cs typeface="+mn-cs"/>
-              </a:rPr>
-              <a:t>Put example here</a:t>
-            </a:r>
-            <a:endParaRPr kumimoji="0" lang="zh-CN" altLang="en-US" sz="3200" b="0" i="0" u="none" strike="noStrike" kern="1200" cap="none" spc="0" normalizeH="0" baseline="0" noProof="0" dirty="0">
+              </a:rPr>
+              <a:t>Adj_lists</a:t>
+            </a:r>
+            <a:r>
+              <a:rPr lang="zh-CN" altLang="en-US" sz="2000" dirty="0">
+                <a:solidFill>
+                  <a:prstClr val="black"/>
+                </a:solidFill>
+                <a:latin typeface="等线" panose="020F0502020204030204"/>
+                <a:ea typeface="等线" panose="02010600030101010101" pitchFamily="2" charset="-122"/>
+              </a:rPr>
+              <a:t> </a:t>
+            </a:r>
+            <a:r>
+              <a:rPr lang="en-US" altLang="zh-CN" sz="2000" dirty="0">
+                <a:solidFill>
+                  <a:prstClr val="black"/>
+                </a:solidFill>
+                <a:latin typeface="等线" panose="020F0502020204030204"/>
+                <a:ea typeface="等线" panose="02010600030101010101" pitchFamily="2" charset="-122"/>
+              </a:rPr>
+              <a:t>=</a:t>
+            </a:r>
+            <a:r>
+              <a:rPr lang="zh-CN" altLang="en-US" sz="2000" dirty="0">
+                <a:solidFill>
+                  <a:prstClr val="black"/>
+                </a:solidFill>
+                <a:latin typeface="等线" panose="020F0502020204030204"/>
+                <a:ea typeface="等线" panose="02010600030101010101" pitchFamily="2" charset="-122"/>
+              </a:rPr>
+              <a:t> </a:t>
+            </a:r>
+            <a:r>
+              <a:rPr lang="en-US" altLang="zh-CN" sz="2000" dirty="0">
+                <a:solidFill>
+                  <a:prstClr val="black"/>
+                </a:solidFill>
+              </a:rPr>
+              <a:t>{3: [0, 2], 5: [0, 1, 2], 1: [2, 4, 5], 2: [1, 3, 4, 5], 4: [1, 2]}</a:t>
+            </a:r>
+          </a:p>
+          <a:p>
+            <a:pPr lvl="0">
+              <a:defRPr/>
+            </a:pPr>
+            <a:endParaRPr kumimoji="0" lang="zh-CN" altLang="en-US" sz="2000" b="0" i="0" u="none" strike="noStrike" kern="1200" cap="none" spc="0" normalizeH="0" baseline="0" noProof="0" dirty="0">
               <a:ln>
                 <a:noFill/>
               </a:ln>
@@ -11895,8 +11817,8 @@
         </p:nvSpPr>
         <p:spPr>
           <a:xfrm>
-            <a:off x="8204341" y="1185573"/>
-            <a:ext cx="3260829" cy="584775"/>
+            <a:off x="5928852" y="1185573"/>
+            <a:ext cx="6453237" cy="830997"/>
           </a:xfrm>
           <a:prstGeom prst="rect">
             <a:avLst/>
@@ -11904,7 +11826,7 @@
           <a:noFill/>
         </p:spPr>
         <p:txBody>
-          <a:bodyPr wrap="none" rtlCol="0">
+          <a:bodyPr wrap="square" rtlCol="0">
             <a:spAutoFit/>
           </a:bodyPr>
           <a:lstStyle/>
@@ -11927,7 +11849,67 @@
               <a:defRPr/>
             </a:pPr>
             <a:r>
-              <a:rPr kumimoji="0" lang="en-US" altLang="zh-CN" sz="3200" b="0" i="0" u="none" strike="noStrike" kern="1200" cap="none" spc="0" normalizeH="0" baseline="0" noProof="0" dirty="0">
+              <a:rPr lang="en-US" altLang="zh-CN" sz="2400" dirty="0" err="1">
+                <a:solidFill>
+                  <a:prstClr val="black"/>
+                </a:solidFill>
+                <a:latin typeface="等线" panose="020F0502020204030204"/>
+                <a:ea typeface="等线" panose="02010600030101010101" pitchFamily="2" charset="-122"/>
+              </a:rPr>
+              <a:t>i</a:t>
+            </a:r>
+            <a:r>
+              <a:rPr lang="zh-CN" altLang="en-US" sz="2400" dirty="0">
+                <a:solidFill>
+                  <a:prstClr val="black"/>
+                </a:solidFill>
+                <a:latin typeface="等线" panose="020F0502020204030204"/>
+                <a:ea typeface="等线" panose="02010600030101010101" pitchFamily="2" charset="-122"/>
+              </a:rPr>
+              <a:t> </a:t>
+            </a:r>
+            <a:r>
+              <a:rPr lang="en-US" altLang="zh-CN" sz="2400" dirty="0">
+                <a:solidFill>
+                  <a:prstClr val="black"/>
+                </a:solidFill>
+                <a:latin typeface="等线" panose="020F0502020204030204"/>
+                <a:ea typeface="等线" panose="02010600030101010101" pitchFamily="2" charset="-122"/>
+              </a:rPr>
+              <a:t>=</a:t>
+            </a:r>
+            <a:r>
+              <a:rPr lang="zh-CN" altLang="en-US" sz="2400" dirty="0">
+                <a:solidFill>
+                  <a:prstClr val="black"/>
+                </a:solidFill>
+                <a:latin typeface="等线" panose="020F0502020204030204"/>
+                <a:ea typeface="等线" panose="02010600030101010101" pitchFamily="2" charset="-122"/>
+              </a:rPr>
+              <a:t> </a:t>
+            </a:r>
+            <a:r>
+              <a:rPr lang="en-US" altLang="zh-CN" sz="2400" dirty="0">
+                <a:solidFill>
+                  <a:prstClr val="black"/>
+                </a:solidFill>
+                <a:latin typeface="等线" panose="020F0502020204030204"/>
+                <a:ea typeface="等线" panose="02010600030101010101" pitchFamily="2" charset="-122"/>
+              </a:rPr>
+              <a:t>2</a:t>
+            </a:r>
+            <a:r>
+              <a:rPr lang="zh-CN" altLang="en-US" sz="2400" dirty="0">
+                <a:solidFill>
+                  <a:prstClr val="black"/>
+                </a:solidFill>
+                <a:latin typeface="等线" panose="020F0502020204030204"/>
+                <a:ea typeface="等线" panose="02010600030101010101" pitchFamily="2" charset="-122"/>
+              </a:rPr>
+              <a:t> </a:t>
+            </a:r>
+            <a:r>
+              <a:rPr kumimoji="0" lang="en-US" altLang="zh-CN" sz="2400" b="0" i="0" u="none" strike="noStrike" kern="1200" cap="none" spc="0" normalizeH="0" baseline="0" noProof="0" dirty="0">
                 <a:ln>
                   <a:noFill/>
                 </a:ln>
@@ -11941,9 +11923,70 @@
                 <a:ea typeface="等线" panose="02010600030101010101" pitchFamily="2" charset="-122"/>
                 <a:cs typeface="+mn-cs"/>
               </a:rPr>
-              <a:t>Put example here</a:t>
-            </a:r>
-            <a:endParaRPr kumimoji="0" lang="zh-CN" altLang="en-US" sz="3200" b="0" i="0" u="none" strike="noStrike" kern="1200" cap="none" spc="0" normalizeH="0" baseline="0" noProof="0" dirty="0">
+              <a:t>V</a:t>
+            </a:r>
+            <a:r>
+              <a:rPr kumimoji="0" lang="zh-CN" altLang="en-US" sz="2400" b="0" i="0" u="none" strike="noStrike" kern="1200" cap="none" spc="0" normalizeH="0" baseline="0" noProof="0" dirty="0">
+                <a:ln>
+                  <a:noFill/>
+                </a:ln>
+                <a:solidFill>
+                  <a:prstClr val="black"/>
+                </a:solidFill>
+                <a:effectLst/>
+                <a:uLnTx/>
+                <a:uFillTx/>
+                <a:latin typeface="等线" panose="020F0502020204030204"/>
+                <a:ea typeface="等线" panose="02010600030101010101" pitchFamily="2" charset="-122"/>
+                <a:cs typeface="+mn-cs"/>
+              </a:rPr>
+              <a:t> </a:t>
+            </a:r>
+            <a:r>
+              <a:rPr kumimoji="0" lang="en-US" altLang="zh-CN" sz="2400" b="0" i="0" u="none" strike="noStrike" kern="1200" cap="none" spc="0" normalizeH="0" baseline="0" noProof="0" dirty="0">
+                <a:ln>
+                  <a:noFill/>
+                </a:ln>
+                <a:solidFill>
+                  <a:prstClr val="black"/>
+                </a:solidFill>
+                <a:effectLst/>
+                <a:uLnTx/>
+                <a:uFillTx/>
+                <a:latin typeface="等线" panose="020F0502020204030204"/>
+                <a:ea typeface="等线" panose="02010600030101010101" pitchFamily="2" charset="-122"/>
+                <a:cs typeface="+mn-cs"/>
+              </a:rPr>
+              <a:t>=</a:t>
+            </a:r>
+            <a:r>
+              <a:rPr kumimoji="0" lang="zh-CN" altLang="en-US" sz="2400" b="0" i="0" u="none" strike="noStrike" kern="1200" cap="none" spc="0" normalizeH="0" baseline="0" noProof="0" dirty="0">
+                <a:ln>
+                  <a:noFill/>
+                </a:ln>
+                <a:solidFill>
+                  <a:prstClr val="black"/>
+                </a:solidFill>
+                <a:effectLst/>
+                <a:uLnTx/>
+                <a:uFillTx/>
+                <a:latin typeface="等线" panose="020F0502020204030204"/>
+                <a:ea typeface="等线" panose="02010600030101010101" pitchFamily="2" charset="-122"/>
+                <a:cs typeface="+mn-cs"/>
+              </a:rPr>
+              <a:t> </a:t>
+            </a:r>
+            <a:r>
+              <a:rPr lang="en-US" altLang="zh-CN" sz="2400" dirty="0">
+                <a:solidFill>
+                  <a:prstClr val="black"/>
+                </a:solidFill>
+                <a:latin typeface="等线" panose="020F0502020204030204"/>
+                <a:ea typeface="等线" panose="02010600030101010101" pitchFamily="2" charset="-122"/>
+              </a:rPr>
+              <a:t>2</a:t>
+            </a:r>
+            <a:endParaRPr kumimoji="0" lang="en-US" altLang="zh-CN" sz="2400" b="0" i="0" u="none" strike="noStrike" kern="1200" cap="none" spc="0" normalizeH="0" baseline="0" noProof="0" dirty="0">
               <a:ln>
                 <a:noFill/>
               </a:ln>
@@ -11958,6 +12001,269 @@
               <a:cs typeface="+mn-cs"/>
             </a:endParaRPr>
           </a:p>
+          <a:p>
+            <a:pPr marL="0" marR="0" lvl="0" indent="0" algn="l" defTabSz="914400" rtl="0" eaLnBrk="1" fontAlgn="auto" latinLnBrk="0" hangingPunct="1">
+              <a:lnSpc>
+                <a:spcPct val="100000"/>
+              </a:lnSpc>
+              <a:spcBef>
+                <a:spcPts val="0"/>
+              </a:spcBef>
+              <a:spcAft>
+                <a:spcPts val="0"/>
+              </a:spcAft>
+              <a:buClrTx/>
+              <a:buSzTx/>
+              <a:buFontTx/>
+              <a:buNone/>
+              <a:tabLst/>
+              <a:defRPr/>
+            </a:pPr>
+            <a:r>
+              <a:rPr lang="en-US" altLang="zh-CN" sz="2400" dirty="0">
+                <a:solidFill>
+                  <a:prstClr val="black"/>
+                </a:solidFill>
+                <a:latin typeface="等线" panose="020F0502020204030204"/>
+                <a:ea typeface="等线" panose="02010600030101010101" pitchFamily="2" charset="-122"/>
+              </a:rPr>
+              <a:t>N(L(i-1))</a:t>
+            </a:r>
+            <a:r>
+              <a:rPr lang="zh-CN" altLang="en-US" sz="2400" dirty="0">
+                <a:solidFill>
+                  <a:prstClr val="black"/>
+                </a:solidFill>
+                <a:latin typeface="等线" panose="020F0502020204030204"/>
+                <a:ea typeface="等线" panose="02010600030101010101" pitchFamily="2" charset="-122"/>
+              </a:rPr>
+              <a:t> </a:t>
+            </a:r>
+            <a:r>
+              <a:rPr lang="en-US" altLang="zh-CN" sz="2400" dirty="0">
+                <a:solidFill>
+                  <a:prstClr val="black"/>
+                </a:solidFill>
+                <a:latin typeface="等线" panose="020F0502020204030204"/>
+                <a:ea typeface="等线" panose="02010600030101010101" pitchFamily="2" charset="-122"/>
+              </a:rPr>
+              <a:t>=</a:t>
+            </a:r>
+            <a:r>
+              <a:rPr lang="zh-CN" altLang="en-US" sz="2400" dirty="0">
+                <a:solidFill>
+                  <a:prstClr val="black"/>
+                </a:solidFill>
+                <a:latin typeface="等线" panose="020F0502020204030204"/>
+                <a:ea typeface="等线" panose="02010600030101010101" pitchFamily="2" charset="-122"/>
+              </a:rPr>
+              <a:t> </a:t>
+            </a:r>
+            <a:r>
+              <a:rPr lang="en-US" altLang="zh-CN" sz="2400" dirty="0">
+                <a:solidFill>
+                  <a:prstClr val="black"/>
+                </a:solidFill>
+                <a:latin typeface="等线" panose="020F0502020204030204"/>
+                <a:ea typeface="等线" panose="02010600030101010101" pitchFamily="2" charset="-122"/>
+              </a:rPr>
+              <a:t>[0,</a:t>
+            </a:r>
+            <a:r>
+              <a:rPr lang="zh-CN" altLang="en-US" sz="2400" dirty="0">
+                <a:solidFill>
+                  <a:prstClr val="black"/>
+                </a:solidFill>
+                <a:latin typeface="等线" panose="020F0502020204030204"/>
+                <a:ea typeface="等线" panose="02010600030101010101" pitchFamily="2" charset="-122"/>
+              </a:rPr>
+              <a:t> </a:t>
+            </a:r>
+            <a:r>
+              <a:rPr lang="en-US" altLang="zh-CN" sz="2400" dirty="0">
+                <a:solidFill>
+                  <a:prstClr val="black"/>
+                </a:solidFill>
+                <a:latin typeface="等线" panose="020F0502020204030204"/>
+                <a:ea typeface="等线" panose="02010600030101010101" pitchFamily="2" charset="-122"/>
+              </a:rPr>
+              <a:t>2,</a:t>
+            </a:r>
+            <a:r>
+              <a:rPr lang="zh-CN" altLang="en-US" sz="2400" dirty="0">
+                <a:solidFill>
+                  <a:prstClr val="black"/>
+                </a:solidFill>
+                <a:latin typeface="等线" panose="020F0502020204030204"/>
+                <a:ea typeface="等线" panose="02010600030101010101" pitchFamily="2" charset="-122"/>
+              </a:rPr>
+              <a:t> </a:t>
+            </a:r>
+            <a:r>
+              <a:rPr lang="en-US" altLang="zh-CN" sz="2400" dirty="0">
+                <a:solidFill>
+                  <a:prstClr val="black"/>
+                </a:solidFill>
+                <a:latin typeface="等线" panose="020F0502020204030204"/>
+                <a:ea typeface="等线" panose="02010600030101010101" pitchFamily="2" charset="-122"/>
+              </a:rPr>
+              <a:t>0,</a:t>
+            </a:r>
+            <a:r>
+              <a:rPr lang="zh-CN" altLang="en-US" sz="2400" dirty="0">
+                <a:solidFill>
+                  <a:prstClr val="black"/>
+                </a:solidFill>
+                <a:latin typeface="等线" panose="020F0502020204030204"/>
+                <a:ea typeface="等线" panose="02010600030101010101" pitchFamily="2" charset="-122"/>
+              </a:rPr>
+              <a:t> </a:t>
+            </a:r>
+            <a:r>
+              <a:rPr lang="en-US" altLang="zh-CN" sz="2400" dirty="0">
+                <a:solidFill>
+                  <a:prstClr val="black"/>
+                </a:solidFill>
+                <a:latin typeface="等线" panose="020F0502020204030204"/>
+                <a:ea typeface="等线" panose="02010600030101010101" pitchFamily="2" charset="-122"/>
+              </a:rPr>
+              <a:t>1,</a:t>
+            </a:r>
+            <a:r>
+              <a:rPr lang="zh-CN" altLang="en-US" sz="2400" dirty="0">
+                <a:solidFill>
+                  <a:prstClr val="black"/>
+                </a:solidFill>
+                <a:latin typeface="等线" panose="020F0502020204030204"/>
+                <a:ea typeface="等线" panose="02010600030101010101" pitchFamily="2" charset="-122"/>
+              </a:rPr>
+              <a:t> </a:t>
+            </a:r>
+            <a:r>
+              <a:rPr lang="en-US" altLang="zh-CN" sz="2400" dirty="0">
+                <a:solidFill>
+                  <a:prstClr val="black"/>
+                </a:solidFill>
+                <a:latin typeface="等线" panose="020F0502020204030204"/>
+                <a:ea typeface="等线" panose="02010600030101010101" pitchFamily="2" charset="-122"/>
+              </a:rPr>
+              <a:t>2,</a:t>
+            </a:r>
+            <a:r>
+              <a:rPr lang="zh-CN" altLang="en-US" sz="2400" dirty="0">
+                <a:solidFill>
+                  <a:prstClr val="black"/>
+                </a:solidFill>
+                <a:latin typeface="等线" panose="020F0502020204030204"/>
+                <a:ea typeface="等线" panose="02010600030101010101" pitchFamily="2" charset="-122"/>
+              </a:rPr>
+              <a:t> </a:t>
+            </a:r>
+            <a:r>
+              <a:rPr lang="en-US" altLang="zh-CN" sz="2400" dirty="0">
+                <a:solidFill>
+                  <a:prstClr val="black"/>
+                </a:solidFill>
+                <a:latin typeface="等线" panose="020F0502020204030204"/>
+                <a:ea typeface="等线" panose="02010600030101010101" pitchFamily="2" charset="-122"/>
+              </a:rPr>
+              <a:t>2,</a:t>
+            </a:r>
+            <a:r>
+              <a:rPr lang="zh-CN" altLang="en-US" sz="2400" dirty="0">
+                <a:solidFill>
+                  <a:prstClr val="black"/>
+                </a:solidFill>
+                <a:latin typeface="等线" panose="020F0502020204030204"/>
+                <a:ea typeface="等线" panose="02010600030101010101" pitchFamily="2" charset="-122"/>
+              </a:rPr>
+              <a:t> </a:t>
+            </a:r>
+            <a:r>
+              <a:rPr lang="en-US" altLang="zh-CN" sz="2400" dirty="0">
+                <a:solidFill>
+                  <a:prstClr val="black"/>
+                </a:solidFill>
+                <a:latin typeface="等线" panose="020F0502020204030204"/>
+                <a:ea typeface="等线" panose="02010600030101010101" pitchFamily="2" charset="-122"/>
+              </a:rPr>
+              <a:t>4,</a:t>
+            </a:r>
+            <a:r>
+              <a:rPr lang="zh-CN" altLang="en-US" sz="2400" dirty="0">
+                <a:solidFill>
+                  <a:prstClr val="black"/>
+                </a:solidFill>
+                <a:latin typeface="等线" panose="020F0502020204030204"/>
+                <a:ea typeface="等线" panose="02010600030101010101" pitchFamily="2" charset="-122"/>
+              </a:rPr>
+              <a:t> </a:t>
+            </a:r>
+            <a:r>
+              <a:rPr lang="en-US" altLang="zh-CN" sz="2400" dirty="0">
+                <a:solidFill>
+                  <a:prstClr val="black"/>
+                </a:solidFill>
+                <a:latin typeface="等线" panose="020F0502020204030204"/>
+                <a:ea typeface="等线" panose="02010600030101010101" pitchFamily="2" charset="-122"/>
+              </a:rPr>
+              <a:t>5,</a:t>
+            </a:r>
+            <a:r>
+              <a:rPr lang="zh-CN" altLang="en-US" sz="2400" dirty="0">
+                <a:solidFill>
+                  <a:prstClr val="black"/>
+                </a:solidFill>
+                <a:latin typeface="等线" panose="020F0502020204030204"/>
+                <a:ea typeface="等线" panose="02010600030101010101" pitchFamily="2" charset="-122"/>
+              </a:rPr>
+              <a:t> </a:t>
+            </a:r>
+            <a:r>
+              <a:rPr lang="en-US" altLang="zh-CN" sz="2400" dirty="0">
+                <a:solidFill>
+                  <a:prstClr val="black"/>
+                </a:solidFill>
+                <a:latin typeface="等线" panose="020F0502020204030204"/>
+                <a:ea typeface="等线" panose="02010600030101010101" pitchFamily="2" charset="-122"/>
+              </a:rPr>
+              <a:t>1,</a:t>
+            </a:r>
+            <a:r>
+              <a:rPr lang="zh-CN" altLang="en-US" sz="2400" dirty="0">
+                <a:solidFill>
+                  <a:prstClr val="black"/>
+                </a:solidFill>
+                <a:latin typeface="等线" panose="020F0502020204030204"/>
+                <a:ea typeface="等线" panose="02010600030101010101" pitchFamily="2" charset="-122"/>
+              </a:rPr>
+              <a:t> </a:t>
+            </a:r>
+            <a:r>
+              <a:rPr lang="en-US" altLang="zh-CN" sz="2400" dirty="0">
+                <a:solidFill>
+                  <a:prstClr val="black"/>
+                </a:solidFill>
+                <a:latin typeface="等线" panose="020F0502020204030204"/>
+                <a:ea typeface="等线" panose="02010600030101010101" pitchFamily="2" charset="-122"/>
+              </a:rPr>
+              <a:t>2]</a:t>
+            </a:r>
+            <a:endParaRPr kumimoji="0" lang="zh-CN" altLang="en-US" sz="2400" b="0" i="0" u="none" strike="noStrike" kern="1200" cap="none" spc="0" normalizeH="0" baseline="0" noProof="0" dirty="0">
+              <a:ln>
+                <a:noFill/>
+              </a:ln>
+              <a:solidFill>
+                <a:prstClr val="black"/>
+              </a:solidFill>
+              <a:effectLst/>
+              <a:uLnTx/>
+              <a:uFillTx/>
+              <a:latin typeface="等线" panose="020F0502020204030204"/>
+              <a:ea typeface="等线" panose="02010600030101010101" pitchFamily="2" charset="-122"/>
+              <a:cs typeface="+mn-cs"/>
+            </a:endParaRPr>
+          </a:p>
         </p:txBody>
       </p:sp>
       <p:cxnSp>
@@ -11969,13 +12275,15 @@
               </a:ext>
             </a:extLst>
           </p:cNvPr>
-          <p:cNvCxnSpPr/>
+          <p:cNvCxnSpPr>
+            <a:cxnSpLocks/>
+          </p:cNvCxnSpPr>
           <p:nvPr/>
         </p:nvCxnSpPr>
         <p:spPr>
-          <a:xfrm flipV="1">
-            <a:off x="5644660" y="3626633"/>
-            <a:ext cx="1441939" cy="502910"/>
+          <a:xfrm>
+            <a:off x="10127226" y="4703586"/>
+            <a:ext cx="482159" cy="661852"/>
           </a:xfrm>
           <a:prstGeom prst="straightConnector1">
             <a:avLst/>
@@ -12016,7 +12324,7 @@
         </p:nvSpPr>
         <p:spPr>
           <a:xfrm>
-            <a:off x="7166848" y="3354868"/>
+            <a:off x="9855326" y="5380039"/>
             <a:ext cx="2168769" cy="584775"/>
           </a:xfrm>
           <a:prstGeom prst="roundRect">
@@ -12079,6 +12387,36 @@
           </a:p>
         </p:txBody>
       </p:sp>
+      <p:pic>
+        <p:nvPicPr>
+          <p:cNvPr id="8" name="图片 7">
+            <a:extLst>
+              <a:ext uri="{FF2B5EF4-FFF2-40B4-BE49-F238E27FC236}">
+                <a16:creationId xmlns:a16="http://schemas.microsoft.com/office/drawing/2014/main" id="{CB55912B-9DC4-9C4C-A08B-5D35BCF023CD}"/>
+              </a:ext>
+            </a:extLst>
+          </p:cNvPr>
+          <p:cNvPicPr>
+            <a:picLocks noChangeAspect="1"/>
+          </p:cNvPicPr>
+          <p:nvPr/>
+        </p:nvPicPr>
+        <p:blipFill>
+          <a:blip r:embed="rId2"/>
+          <a:stretch>
+            <a:fillRect/>
+          </a:stretch>
+        </p:blipFill>
+        <p:spPr>
+          <a:xfrm>
+            <a:off x="7527348" y="2110831"/>
+            <a:ext cx="3671594" cy="1986861"/>
+          </a:xfrm>
+          <a:prstGeom prst="rect">
+            <a:avLst/>
+          </a:prstGeom>
+        </p:spPr>
+      </p:pic>
     </p:spTree>
     <p:extLst>
       <p:ext uri="{BB962C8B-B14F-4D97-AF65-F5344CB8AC3E}">
@@ -12801,7 +13139,7 @@
         <p:spPr>
           <a:xfrm>
             <a:off x="726831" y="5626260"/>
-            <a:ext cx="3260829" cy="584775"/>
+            <a:ext cx="3445174" cy="1077218"/>
           </a:xfrm>
           <a:prstGeom prst="rect">
             <a:avLst/>
@@ -12832,21 +13170,253 @@
               <a:defRPr/>
             </a:pPr>
             <a:r>
-              <a:rPr kumimoji="0" lang="en-US" altLang="zh-CN" sz="3200" b="0" i="0" u="none" strike="noStrike" kern="1200" cap="none" spc="0" normalizeH="0" baseline="0" noProof="0" dirty="0">
-                <a:ln>
-                  <a:noFill/>
-                </a:ln>
-                <a:solidFill>
-                  <a:prstClr val="black"/>
-                </a:solidFill>
-                <a:effectLst/>
-                <a:uLnTx/>
-                <a:uFillTx/>
+              <a:rPr lang="en-US" altLang="zh-CN" sz="3200" dirty="0" err="1">
+                <a:solidFill>
+                  <a:prstClr val="black"/>
+                </a:solidFill>
                 <a:latin typeface="等线" panose="020F0502020204030204"/>
                 <a:ea typeface="等线" panose="02010600030101010101" pitchFamily="2" charset="-122"/>
-                <a:cs typeface="+mn-cs"/>
-              </a:rPr>
-              <a:t>Put example here</a:t>
+              </a:rPr>
+              <a:t>i</a:t>
+            </a:r>
+            <a:r>
+              <a:rPr lang="zh-CN" altLang="en-US" sz="3200" dirty="0">
+                <a:solidFill>
+                  <a:prstClr val="black"/>
+                </a:solidFill>
+                <a:latin typeface="等线" panose="020F0502020204030204"/>
+                <a:ea typeface="等线" panose="02010600030101010101" pitchFamily="2" charset="-122"/>
+              </a:rPr>
+              <a:t> </a:t>
+            </a:r>
+            <a:r>
+              <a:rPr lang="en-US" altLang="zh-CN" sz="3200" dirty="0">
+                <a:solidFill>
+                  <a:prstClr val="black"/>
+                </a:solidFill>
+                <a:latin typeface="等线" panose="020F0502020204030204"/>
+                <a:ea typeface="等线" panose="02010600030101010101" pitchFamily="2" charset="-122"/>
+              </a:rPr>
+              <a:t>=</a:t>
+            </a:r>
+            <a:r>
+              <a:rPr lang="zh-CN" altLang="en-US" sz="3200" dirty="0">
+                <a:solidFill>
+                  <a:prstClr val="black"/>
+                </a:solidFill>
+                <a:latin typeface="等线" panose="020F0502020204030204"/>
+                <a:ea typeface="等线" panose="02010600030101010101" pitchFamily="2" charset="-122"/>
+              </a:rPr>
+              <a:t> </a:t>
+            </a:r>
+            <a:r>
+              <a:rPr lang="en-US" altLang="zh-CN" sz="3200" dirty="0">
+                <a:solidFill>
+                  <a:prstClr val="black"/>
+                </a:solidFill>
+                <a:latin typeface="等线" panose="020F0502020204030204"/>
+                <a:ea typeface="等线" panose="02010600030101010101" pitchFamily="2" charset="-122"/>
+              </a:rPr>
+              <a:t>2,</a:t>
+            </a:r>
+            <a:r>
+              <a:rPr lang="zh-CN" altLang="en-US" sz="3200" dirty="0">
+                <a:solidFill>
+                  <a:prstClr val="black"/>
+                </a:solidFill>
+                <a:latin typeface="等线" panose="020F0502020204030204"/>
+                <a:ea typeface="等线" panose="02010600030101010101" pitchFamily="2" charset="-122"/>
+              </a:rPr>
+              <a:t> </a:t>
+            </a:r>
+            <a:r>
+              <a:rPr lang="en-US" altLang="zh-CN" sz="3200" dirty="0">
+                <a:solidFill>
+                  <a:prstClr val="black"/>
+                </a:solidFill>
+                <a:latin typeface="等线" panose="020F0502020204030204"/>
+                <a:ea typeface="等线" panose="02010600030101010101" pitchFamily="2" charset="-122"/>
+              </a:rPr>
+              <a:t>V</a:t>
+            </a:r>
+            <a:r>
+              <a:rPr lang="zh-CN" altLang="en-US" sz="3200" dirty="0">
+                <a:solidFill>
+                  <a:prstClr val="black"/>
+                </a:solidFill>
+                <a:latin typeface="等线" panose="020F0502020204030204"/>
+                <a:ea typeface="等线" panose="02010600030101010101" pitchFamily="2" charset="-122"/>
+              </a:rPr>
+              <a:t> </a:t>
+            </a:r>
+            <a:r>
+              <a:rPr lang="en-US" altLang="zh-CN" sz="3200" dirty="0">
+                <a:solidFill>
+                  <a:prstClr val="black"/>
+                </a:solidFill>
+                <a:latin typeface="等线" panose="020F0502020204030204"/>
+                <a:ea typeface="等线" panose="02010600030101010101" pitchFamily="2" charset="-122"/>
+              </a:rPr>
+              <a:t>=</a:t>
+            </a:r>
+            <a:r>
+              <a:rPr lang="zh-CN" altLang="en-US" sz="3200" dirty="0">
+                <a:solidFill>
+                  <a:prstClr val="black"/>
+                </a:solidFill>
+                <a:latin typeface="等线" panose="020F0502020204030204"/>
+                <a:ea typeface="等线" panose="02010600030101010101" pitchFamily="2" charset="-122"/>
+              </a:rPr>
+              <a:t> </a:t>
+            </a:r>
+            <a:r>
+              <a:rPr lang="en-US" altLang="zh-CN" sz="3200" dirty="0">
+                <a:solidFill>
+                  <a:prstClr val="black"/>
+                </a:solidFill>
+                <a:latin typeface="等线" panose="020F0502020204030204"/>
+                <a:ea typeface="等线" panose="02010600030101010101" pitchFamily="2" charset="-122"/>
+              </a:rPr>
+              <a:t>2</a:t>
+            </a:r>
+          </a:p>
+          <a:p>
+            <a:pPr marL="0" marR="0" lvl="0" indent="0" algn="l" defTabSz="914400" rtl="0" eaLnBrk="1" fontAlgn="auto" latinLnBrk="0" hangingPunct="1">
+              <a:lnSpc>
+                <a:spcPct val="100000"/>
+              </a:lnSpc>
+              <a:spcBef>
+                <a:spcPts val="0"/>
+              </a:spcBef>
+              <a:spcAft>
+                <a:spcPts val="0"/>
+              </a:spcAft>
+              <a:buClrTx/>
+              <a:buSzTx/>
+              <a:buFontTx/>
+              <a:buNone/>
+              <a:tabLst/>
+              <a:defRPr/>
+            </a:pPr>
+            <a:r>
+              <a:rPr lang="en-US" altLang="zh-CN" sz="3200" dirty="0">
+                <a:solidFill>
+                  <a:prstClr val="black"/>
+                </a:solidFill>
+              </a:rPr>
+              <a:t>L′(</a:t>
+            </a:r>
+            <a:r>
+              <a:rPr lang="en-US" altLang="zh-CN" sz="3200" dirty="0" err="1">
+                <a:solidFill>
+                  <a:prstClr val="black"/>
+                </a:solidFill>
+              </a:rPr>
+              <a:t>i</a:t>
+            </a:r>
+            <a:r>
+              <a:rPr lang="en-US" altLang="zh-CN" sz="3200" dirty="0">
+                <a:solidFill>
+                  <a:prstClr val="black"/>
+                </a:solidFill>
+              </a:rPr>
+              <a:t>)</a:t>
+            </a:r>
+            <a:r>
+              <a:rPr lang="zh-CN" altLang="en-US" sz="3200" dirty="0">
+                <a:solidFill>
+                  <a:prstClr val="black"/>
+                </a:solidFill>
+              </a:rPr>
+              <a:t> </a:t>
+            </a:r>
+            <a:r>
+              <a:rPr lang="en-US" altLang="zh-CN" sz="3200" dirty="0">
+                <a:solidFill>
+                  <a:prstClr val="black"/>
+                </a:solidFill>
+              </a:rPr>
+              <a:t>=</a:t>
+            </a:r>
+            <a:r>
+              <a:rPr lang="zh-CN" altLang="en-US" sz="3200" dirty="0">
+                <a:solidFill>
+                  <a:prstClr val="black"/>
+                </a:solidFill>
+              </a:rPr>
+              <a:t> </a:t>
+            </a:r>
+            <a:r>
+              <a:rPr lang="en-US" altLang="zh-CN" sz="3200" dirty="0">
+                <a:solidFill>
+                  <a:prstClr val="black"/>
+                </a:solidFill>
+              </a:rPr>
+              <a:t>[0,</a:t>
+            </a:r>
+            <a:r>
+              <a:rPr lang="zh-CN" altLang="en-US" sz="3200" dirty="0">
+                <a:solidFill>
+                  <a:prstClr val="black"/>
+                </a:solidFill>
+              </a:rPr>
+              <a:t> </a:t>
+            </a:r>
+            <a:r>
+              <a:rPr lang="en-US" altLang="zh-CN" sz="3200" dirty="0">
+                <a:solidFill>
+                  <a:prstClr val="black"/>
+                </a:solidFill>
+              </a:rPr>
+              <a:t>1,</a:t>
+            </a:r>
+            <a:r>
+              <a:rPr lang="zh-CN" altLang="en-US" sz="3200" dirty="0">
+                <a:solidFill>
+                  <a:prstClr val="black"/>
+                </a:solidFill>
+              </a:rPr>
+              <a:t> </a:t>
+            </a:r>
+            <a:r>
+              <a:rPr lang="en-US" altLang="zh-CN" sz="3200" dirty="0">
+                <a:solidFill>
+                  <a:prstClr val="black"/>
+                </a:solidFill>
+              </a:rPr>
+              <a:t>2,</a:t>
+            </a:r>
+            <a:r>
+              <a:rPr lang="zh-CN" altLang="en-US" sz="3200" dirty="0">
+                <a:solidFill>
+                  <a:prstClr val="black"/>
+                </a:solidFill>
+              </a:rPr>
+              <a:t> </a:t>
+            </a:r>
+            <a:r>
+              <a:rPr lang="en-US" altLang="zh-CN" sz="3200" dirty="0">
+                <a:solidFill>
+                  <a:prstClr val="black"/>
+                </a:solidFill>
+              </a:rPr>
+              <a:t>4,</a:t>
+            </a:r>
+            <a:r>
+              <a:rPr lang="zh-CN" altLang="en-US" sz="3200" dirty="0">
+                <a:solidFill>
+                  <a:prstClr val="black"/>
+                </a:solidFill>
+              </a:rPr>
+              <a:t> </a:t>
+            </a:r>
+            <a:r>
+              <a:rPr lang="en-US" altLang="zh-CN" sz="3200" dirty="0">
+                <a:solidFill>
+                  <a:prstClr val="black"/>
+                </a:solidFill>
+              </a:rPr>
+              <a:t>5]</a:t>
             </a:r>
             <a:endParaRPr kumimoji="0" lang="zh-CN" altLang="en-US" sz="3200" b="0" i="0" u="none" strike="noStrike" kern="1200" cap="none" spc="0" normalizeH="0" baseline="0" noProof="0" dirty="0">
               <a:ln>
@@ -13006,132 +13576,6 @@
       </p:sp>
       <p:sp>
         <p:nvSpPr>
-          <p:cNvPr id="5" name="矩形: 圆角 4">
-            <a:extLst>
-              <a:ext uri="{FF2B5EF4-FFF2-40B4-BE49-F238E27FC236}">
-                <a16:creationId xmlns:a16="http://schemas.microsoft.com/office/drawing/2014/main" id="{D006D8B6-73E8-43D0-B405-C426FF6CF111}"/>
-              </a:ext>
-            </a:extLst>
-          </p:cNvPr>
-          <p:cNvSpPr/>
-          <p:nvPr/>
-        </p:nvSpPr>
-        <p:spPr>
-          <a:xfrm>
-            <a:off x="7889630" y="1569025"/>
-            <a:ext cx="3575539" cy="4372707"/>
-          </a:xfrm>
-          <a:prstGeom prst="roundRect">
-            <a:avLst/>
-          </a:prstGeom>
-        </p:spPr>
-        <p:style>
-          <a:lnRef idx="2">
-            <a:schemeClr val="accent6"/>
-          </a:lnRef>
-          <a:fillRef idx="1">
-            <a:schemeClr val="lt1"/>
-          </a:fillRef>
-          <a:effectRef idx="0">
-            <a:schemeClr val="accent6"/>
-          </a:effectRef>
-          <a:fontRef idx="minor">
-            <a:schemeClr val="dk1"/>
-          </a:fontRef>
-        </p:style>
-        <p:txBody>
-          <a:bodyPr rtlCol="0" anchor="ctr"/>
-          <a:lstStyle/>
-          <a:p>
-            <a:pPr marL="0" marR="0" lvl="0" indent="0" algn="ctr" defTabSz="914400" rtl="0" eaLnBrk="1" fontAlgn="auto" latinLnBrk="0" hangingPunct="1">
-              <a:lnSpc>
-                <a:spcPct val="100000"/>
-              </a:lnSpc>
-              <a:spcBef>
-                <a:spcPts val="0"/>
-              </a:spcBef>
-              <a:spcAft>
-                <a:spcPts val="0"/>
-              </a:spcAft>
-              <a:buClrTx/>
-              <a:buSzTx/>
-              <a:buFontTx/>
-              <a:buNone/>
-              <a:tabLst/>
-              <a:defRPr/>
-            </a:pPr>
-            <a:r>
-              <a:rPr kumimoji="0" lang="en-US" altLang="zh-CN" sz="1800" b="0" i="0" u="none" strike="noStrike" kern="1200" cap="none" spc="0" normalizeH="0" baseline="0" noProof="0" dirty="0">
-                <a:ln>
-                  <a:noFill/>
-                </a:ln>
-                <a:solidFill>
-                  <a:prstClr val="black"/>
-                </a:solidFill>
-                <a:effectLst/>
-                <a:uLnTx/>
-                <a:uFillTx/>
-                <a:latin typeface="等线" panose="020F0502020204030204"/>
-                <a:ea typeface="等线" panose="02010600030101010101" pitchFamily="2" charset="-122"/>
-                <a:cs typeface="+mn-cs"/>
-              </a:rPr>
-              <a:t>Incremental-BFS 1: a graph </a:t>
-            </a:r>
-          </a:p>
-          <a:p>
-            <a:pPr marL="0" marR="0" lvl="0" indent="0" algn="ctr" defTabSz="914400" rtl="0" eaLnBrk="1" fontAlgn="auto" latinLnBrk="0" hangingPunct="1">
-              <a:lnSpc>
-                <a:spcPct val="100000"/>
-              </a:lnSpc>
-              <a:spcBef>
-                <a:spcPts val="0"/>
-              </a:spcBef>
-              <a:spcAft>
-                <a:spcPts val="0"/>
-              </a:spcAft>
-              <a:buClrTx/>
-              <a:buSzTx/>
-              <a:buFontTx/>
-              <a:buNone/>
-              <a:tabLst/>
-              <a:defRPr/>
-            </a:pPr>
-            <a:r>
-              <a:rPr kumimoji="0" lang="en-US" altLang="zh-CN" sz="1800" b="0" i="0" u="none" strike="noStrike" kern="1200" cap="none" spc="0" normalizeH="0" baseline="0" noProof="0" dirty="0">
-                <a:ln>
-                  <a:noFill/>
-                </a:ln>
-                <a:solidFill>
-                  <a:prstClr val="black"/>
-                </a:solidFill>
-                <a:effectLst/>
-                <a:uLnTx/>
-                <a:uFillTx/>
-                <a:latin typeface="等线" panose="020F0502020204030204"/>
-                <a:ea typeface="等线" panose="02010600030101010101" pitchFamily="2" charset="-122"/>
-                <a:cs typeface="+mn-cs"/>
-              </a:rPr>
-              <a:t>highlight edge from u to w and node v to w</a:t>
-            </a:r>
-            <a:endParaRPr kumimoji="0" lang="zh-CN" altLang="en-US" sz="1800" b="0" i="0" u="none" strike="noStrike" kern="1200" cap="none" spc="0" normalizeH="0" baseline="0" noProof="0" dirty="0">
-              <a:ln>
-                <a:noFill/>
-              </a:ln>
-              <a:solidFill>
-                <a:prstClr val="black"/>
-              </a:solidFill>
-              <a:effectLst/>
-              <a:uLnTx/>
-              <a:uFillTx/>
-              <a:latin typeface="等线" panose="020F0502020204030204"/>
-              <a:ea typeface="等线" panose="02010600030101010101" pitchFamily="2" charset="-122"/>
-              <a:cs typeface="+mn-cs"/>
-            </a:endParaRPr>
-          </a:p>
-        </p:txBody>
-      </p:sp>
-      <p:sp>
-        <p:nvSpPr>
           <p:cNvPr id="6" name="文本框 5">
             <a:extLst>
               <a:ext uri="{FF2B5EF4-FFF2-40B4-BE49-F238E27FC236}">
@@ -13718,8 +14162,8 @@
         </p:nvSpPr>
         <p:spPr>
           <a:xfrm>
-            <a:off x="726831" y="5626260"/>
-            <a:ext cx="3260829" cy="584775"/>
+            <a:off x="726830" y="5642839"/>
+            <a:ext cx="2159566" cy="1077218"/>
           </a:xfrm>
           <a:prstGeom prst="rect">
             <a:avLst/>
@@ -13731,6 +14175,106 @@
             <a:spAutoFit/>
           </a:bodyPr>
           <a:lstStyle/>
+          <a:p>
+            <a:pPr>
+              <a:defRPr/>
+            </a:pPr>
+            <a:r>
+              <a:rPr lang="en-US" altLang="zh-CN" sz="3200" dirty="0" err="1">
+                <a:solidFill>
+                  <a:prstClr val="black"/>
+                </a:solidFill>
+              </a:rPr>
+              <a:t>i</a:t>
+            </a:r>
+            <a:r>
+              <a:rPr lang="zh-CN" altLang="en-US" sz="3200" dirty="0">
+                <a:solidFill>
+                  <a:prstClr val="black"/>
+                </a:solidFill>
+              </a:rPr>
+              <a:t> </a:t>
+            </a:r>
+            <a:r>
+              <a:rPr lang="en-US" altLang="zh-CN" sz="3200" dirty="0">
+                <a:solidFill>
+                  <a:prstClr val="black"/>
+                </a:solidFill>
+              </a:rPr>
+              <a:t>=</a:t>
+            </a:r>
+            <a:r>
+              <a:rPr lang="zh-CN" altLang="en-US" sz="3200" dirty="0">
+                <a:solidFill>
+                  <a:prstClr val="black"/>
+                </a:solidFill>
+              </a:rPr>
+              <a:t> </a:t>
+            </a:r>
+            <a:r>
+              <a:rPr lang="en-US" altLang="zh-CN" sz="3200" dirty="0">
+                <a:solidFill>
+                  <a:prstClr val="black"/>
+                </a:solidFill>
+              </a:rPr>
+              <a:t>2,</a:t>
+            </a:r>
+            <a:r>
+              <a:rPr lang="zh-CN" altLang="en-US" sz="3200" dirty="0">
+                <a:solidFill>
+                  <a:prstClr val="black"/>
+                </a:solidFill>
+              </a:rPr>
+              <a:t> </a:t>
+            </a:r>
+            <a:r>
+              <a:rPr lang="en-US" altLang="zh-CN" sz="3200" dirty="0">
+                <a:solidFill>
+                  <a:prstClr val="black"/>
+                </a:solidFill>
+              </a:rPr>
+              <a:t>V</a:t>
+            </a:r>
+            <a:r>
+              <a:rPr lang="zh-CN" altLang="en-US" sz="3200" dirty="0">
+                <a:solidFill>
+                  <a:prstClr val="black"/>
+                </a:solidFill>
+              </a:rPr>
+              <a:t> </a:t>
+            </a:r>
+            <a:r>
+              <a:rPr lang="en-US" altLang="zh-CN" sz="3200" dirty="0">
+                <a:solidFill>
+                  <a:prstClr val="black"/>
+                </a:solidFill>
+              </a:rPr>
+              <a:t>=</a:t>
+            </a:r>
+            <a:r>
+              <a:rPr lang="zh-CN" altLang="en-US" sz="3200" dirty="0">
+                <a:solidFill>
+                  <a:prstClr val="black"/>
+                </a:solidFill>
+              </a:rPr>
+              <a:t> </a:t>
+            </a:r>
+            <a:r>
+              <a:rPr lang="en-US" altLang="zh-CN" sz="3200" dirty="0">
+                <a:solidFill>
+                  <a:prstClr val="black"/>
+                </a:solidFill>
+              </a:rPr>
+              <a:t>2</a:t>
+            </a:r>
+            <a:endParaRPr lang="en-US" altLang="zh-CN" sz="3200" dirty="0">
+              <a:solidFill>
+                <a:prstClr val="black"/>
+              </a:solidFill>
+              <a:latin typeface="等线" panose="020F0502020204030204"/>
+              <a:ea typeface="等线" panose="02010600030101010101" pitchFamily="2" charset="-122"/>
+            </a:endParaRPr>
+          </a:p>
           <a:p>
             <a:pPr marL="0" marR="0" lvl="0" indent="0" algn="l" defTabSz="914400" rtl="0" eaLnBrk="1" fontAlgn="auto" latinLnBrk="0" hangingPunct="1">
               <a:lnSpc>
@@ -13750,21 +14294,74 @@
               <a:defRPr/>
             </a:pPr>
             <a:r>
-              <a:rPr kumimoji="0" lang="en-US" altLang="zh-CN" sz="3200" b="0" i="0" u="none" strike="noStrike" kern="1200" cap="none" spc="0" normalizeH="0" baseline="0" noProof="0" dirty="0">
-                <a:ln>
-                  <a:noFill/>
-                </a:ln>
-                <a:solidFill>
-                  <a:prstClr val="black"/>
-                </a:solidFill>
-                <a:effectLst/>
-                <a:uLnTx/>
-                <a:uFillTx/>
+              <a:rPr lang="en-US" altLang="zh-CN" sz="3200" dirty="0">
+                <a:solidFill>
+                  <a:prstClr val="black"/>
+                </a:solidFill>
                 <a:latin typeface="等线" panose="020F0502020204030204"/>
                 <a:ea typeface="等线" panose="02010600030101010101" pitchFamily="2" charset="-122"/>
-                <a:cs typeface="+mn-cs"/>
-              </a:rPr>
-              <a:t>Put example here</a:t>
+              </a:rPr>
+              <a:t>L(</a:t>
+            </a:r>
+            <a:r>
+              <a:rPr lang="en-US" altLang="zh-CN" sz="3200" dirty="0" err="1">
+                <a:solidFill>
+                  <a:prstClr val="black"/>
+                </a:solidFill>
+                <a:latin typeface="等线" panose="020F0502020204030204"/>
+                <a:ea typeface="等线" panose="02010600030101010101" pitchFamily="2" charset="-122"/>
+              </a:rPr>
+              <a:t>i</a:t>
+            </a:r>
+            <a:r>
+              <a:rPr lang="en-US" altLang="zh-CN" sz="3200" dirty="0">
+                <a:solidFill>
+                  <a:prstClr val="black"/>
+                </a:solidFill>
+                <a:latin typeface="等线" panose="020F0502020204030204"/>
+                <a:ea typeface="等线" panose="02010600030101010101" pitchFamily="2" charset="-122"/>
+              </a:rPr>
+              <a:t>)</a:t>
+            </a:r>
+            <a:r>
+              <a:rPr lang="zh-CN" altLang="en-US" sz="3200" dirty="0">
+                <a:solidFill>
+                  <a:prstClr val="black"/>
+                </a:solidFill>
+                <a:latin typeface="等线" panose="020F0502020204030204"/>
+                <a:ea typeface="等线" panose="02010600030101010101" pitchFamily="2" charset="-122"/>
+              </a:rPr>
+              <a:t> </a:t>
+            </a:r>
+            <a:r>
+              <a:rPr lang="en-US" altLang="zh-CN" sz="3200" dirty="0">
+                <a:solidFill>
+                  <a:prstClr val="black"/>
+                </a:solidFill>
+                <a:latin typeface="等线" panose="020F0502020204030204"/>
+                <a:ea typeface="等线" panose="02010600030101010101" pitchFamily="2" charset="-122"/>
+              </a:rPr>
+              <a:t>=</a:t>
+            </a:r>
+            <a:r>
+              <a:rPr lang="zh-CN" altLang="en-US" sz="3200" dirty="0">
+                <a:solidFill>
+                  <a:prstClr val="black"/>
+                </a:solidFill>
+                <a:latin typeface="等线" panose="020F0502020204030204"/>
+                <a:ea typeface="等线" panose="02010600030101010101" pitchFamily="2" charset="-122"/>
+              </a:rPr>
+              <a:t> </a:t>
+            </a:r>
+            <a:r>
+              <a:rPr lang="en-US" altLang="zh-CN" sz="3200" dirty="0">
+                <a:solidFill>
+                  <a:prstClr val="black"/>
+                </a:solidFill>
+                <a:latin typeface="等线" panose="020F0502020204030204"/>
+                <a:ea typeface="等线" panose="02010600030101010101" pitchFamily="2" charset="-122"/>
+              </a:rPr>
+              <a:t>[0]</a:t>
             </a:r>
             <a:endParaRPr kumimoji="0" lang="zh-CN" altLang="en-US" sz="3200" b="0" i="0" u="none" strike="noStrike" kern="1200" cap="none" spc="0" normalizeH="0" baseline="0" noProof="0" dirty="0">
               <a:ln>
@@ -13780,6 +14377,147 @@
               <a:ea typeface="等线" panose="02010600030101010101" pitchFamily="2" charset="-122"/>
               <a:cs typeface="+mn-cs"/>
             </a:endParaRPr>
+          </a:p>
+        </p:txBody>
+      </p:sp>
+      <p:pic>
+        <p:nvPicPr>
+          <p:cNvPr id="2" name="图片 1">
+            <a:extLst>
+              <a:ext uri="{FF2B5EF4-FFF2-40B4-BE49-F238E27FC236}">
+                <a16:creationId xmlns:a16="http://schemas.microsoft.com/office/drawing/2014/main" id="{486B098D-48E5-9F43-A3E4-3D85F1D07CF2}"/>
+              </a:ext>
+            </a:extLst>
+          </p:cNvPr>
+          <p:cNvPicPr>
+            <a:picLocks noChangeAspect="1"/>
+          </p:cNvPicPr>
+          <p:nvPr/>
+        </p:nvPicPr>
+        <p:blipFill>
+          <a:blip r:embed="rId2"/>
+          <a:stretch>
+            <a:fillRect/>
+          </a:stretch>
+        </p:blipFill>
+        <p:spPr>
+          <a:xfrm>
+            <a:off x="7414343" y="2034427"/>
+            <a:ext cx="4581013" cy="2843917"/>
+          </a:xfrm>
+          <a:prstGeom prst="rect">
+            <a:avLst/>
+          </a:prstGeom>
+        </p:spPr>
+      </p:pic>
+      <p:sp>
+        <p:nvSpPr>
+          <p:cNvPr id="4" name="文本框 3">
+            <a:extLst>
+              <a:ext uri="{FF2B5EF4-FFF2-40B4-BE49-F238E27FC236}">
+                <a16:creationId xmlns:a16="http://schemas.microsoft.com/office/drawing/2014/main" id="{D3943191-9400-6C42-986D-9219609BC5DE}"/>
+              </a:ext>
+            </a:extLst>
+          </p:cNvPr>
+          <p:cNvSpPr txBox="1"/>
+          <p:nvPr/>
+        </p:nvSpPr>
+        <p:spPr>
+          <a:xfrm>
+            <a:off x="11524162" y="2251587"/>
+            <a:ext cx="432621" cy="369332"/>
+          </a:xfrm>
+          <a:prstGeom prst="rect">
+            <a:avLst/>
+          </a:prstGeom>
+          <a:noFill/>
+        </p:spPr>
+        <p:txBody>
+          <a:bodyPr wrap="square" rtlCol="0">
+            <a:spAutoFit/>
+          </a:bodyPr>
+          <a:lstStyle/>
+          <a:p>
+            <a:pPr algn="ctr"/>
+            <a:r>
+              <a:rPr kumimoji="1" lang="en-US" altLang="zh-CN" dirty="0"/>
+              <a:t>u</a:t>
+            </a:r>
+            <a:endParaRPr kumimoji="1" lang="zh-CN" altLang="en-US" dirty="0"/>
+          </a:p>
+        </p:txBody>
+      </p:sp>
+      <p:sp>
+        <p:nvSpPr>
+          <p:cNvPr id="8" name="文本框 7">
+            <a:extLst>
+              <a:ext uri="{FF2B5EF4-FFF2-40B4-BE49-F238E27FC236}">
+                <a16:creationId xmlns:a16="http://schemas.microsoft.com/office/drawing/2014/main" id="{7326FD8F-047B-CA41-9ED1-26C8383D37D5}"/>
+              </a:ext>
+            </a:extLst>
+          </p:cNvPr>
+          <p:cNvSpPr txBox="1"/>
+          <p:nvPr/>
+        </p:nvSpPr>
+        <p:spPr>
+          <a:xfrm>
+            <a:off x="8937140" y="3077531"/>
+            <a:ext cx="432621" cy="369332"/>
+          </a:xfrm>
+          <a:prstGeom prst="rect">
+            <a:avLst/>
+          </a:prstGeom>
+          <a:noFill/>
+        </p:spPr>
+        <p:txBody>
+          <a:bodyPr wrap="square" rtlCol="0">
+            <a:spAutoFit/>
+          </a:bodyPr>
+          <a:lstStyle/>
+          <a:p>
+            <a:pPr algn="ctr"/>
+            <a:r>
+              <a:rPr kumimoji="1" lang="en-US" altLang="zh-CN" dirty="0"/>
+              <a:t>v</a:t>
+            </a:r>
+            <a:endParaRPr kumimoji="1" lang="zh-CN" altLang="en-US" dirty="0"/>
+          </a:p>
+        </p:txBody>
+      </p:sp>
+      <p:sp>
+        <p:nvSpPr>
+          <p:cNvPr id="9" name="文本框 8">
+            <a:extLst>
+              <a:ext uri="{FF2B5EF4-FFF2-40B4-BE49-F238E27FC236}">
+                <a16:creationId xmlns:a16="http://schemas.microsoft.com/office/drawing/2014/main" id="{6ED310F8-0903-C34E-AB7D-DFCE086FF3B9}"/>
+              </a:ext>
+            </a:extLst>
+          </p:cNvPr>
+          <p:cNvSpPr txBox="1"/>
+          <p:nvPr/>
+        </p:nvSpPr>
+        <p:spPr>
+          <a:xfrm>
+            <a:off x="10017177" y="1755092"/>
+            <a:ext cx="432621" cy="369332"/>
+          </a:xfrm>
+          <a:prstGeom prst="rect">
+            <a:avLst/>
+          </a:prstGeom>
+          <a:noFill/>
+        </p:spPr>
+        <p:txBody>
+          <a:bodyPr wrap="square" rtlCol="0">
+            <a:spAutoFit/>
+          </a:bodyPr>
+          <a:lstStyle/>
+          <a:p>
+            <a:pPr algn="ctr"/>
+            <a:r>
+              <a:rPr kumimoji="1" lang="en-US" altLang="zh-CN" dirty="0"/>
+              <a:t>w</a:t>
+            </a:r>
+            <a:endParaRPr kumimoji="1" lang="zh-CN" altLang="en-US" dirty="0"/>
           </a:p>
         </p:txBody>
       </p:sp>
@@ -14284,7 +15022,7 @@
         <p:spPr>
           <a:xfrm>
             <a:off x="726831" y="5626260"/>
-            <a:ext cx="3260829" cy="584775"/>
+            <a:ext cx="8696611" cy="584775"/>
           </a:xfrm>
           <a:prstGeom prst="rect">
             <a:avLst/>
@@ -14329,7 +15067,245 @@
                 <a:ea typeface="等线" panose="02010600030101010101" pitchFamily="2" charset="-122"/>
                 <a:cs typeface="+mn-cs"/>
               </a:rPr>
-              <a:t>Put example here</a:t>
+              <a:t>Output:</a:t>
+            </a:r>
+            <a:r>
+              <a:rPr kumimoji="0" lang="zh-CN" altLang="en-US" sz="3200" b="0" i="0" u="none" strike="noStrike" kern="1200" cap="none" spc="0" normalizeH="0" baseline="0" noProof="0" dirty="0">
+                <a:ln>
+                  <a:noFill/>
+                </a:ln>
+                <a:solidFill>
+                  <a:prstClr val="black"/>
+                </a:solidFill>
+                <a:effectLst/>
+                <a:uLnTx/>
+                <a:uFillTx/>
+                <a:latin typeface="等线" panose="020F0502020204030204"/>
+                <a:ea typeface="等线" panose="02010600030101010101" pitchFamily="2" charset="-122"/>
+                <a:cs typeface="+mn-cs"/>
+              </a:rPr>
+              <a:t> </a:t>
+            </a:r>
+            <a:r>
+              <a:rPr kumimoji="0" lang="en-US" altLang="zh-CN" sz="3200" b="0" i="0" u="none" strike="noStrike" kern="1200" cap="none" spc="0" normalizeH="0" baseline="0" noProof="0" dirty="0">
+                <a:ln>
+                  <a:noFill/>
+                </a:ln>
+                <a:solidFill>
+                  <a:prstClr val="black"/>
+                </a:solidFill>
+                <a:effectLst/>
+                <a:uLnTx/>
+                <a:uFillTx/>
+                <a:latin typeface="等线" panose="020F0502020204030204"/>
+                <a:ea typeface="等线" panose="02010600030101010101" pitchFamily="2" charset="-122"/>
+                <a:cs typeface="+mn-cs"/>
+              </a:rPr>
+              <a:t>{-1:[],</a:t>
+            </a:r>
+            <a:r>
+              <a:rPr kumimoji="0" lang="zh-CN" altLang="en-US" sz="3200" b="0" i="0" u="none" strike="noStrike" kern="1200" cap="none" spc="0" normalizeH="0" baseline="0" noProof="0" dirty="0">
+                <a:ln>
+                  <a:noFill/>
+                </a:ln>
+                <a:solidFill>
+                  <a:prstClr val="black"/>
+                </a:solidFill>
+                <a:effectLst/>
+                <a:uLnTx/>
+                <a:uFillTx/>
+                <a:latin typeface="等线" panose="020F0502020204030204"/>
+                <a:ea typeface="等线" panose="02010600030101010101" pitchFamily="2" charset="-122"/>
+                <a:cs typeface="+mn-cs"/>
+              </a:rPr>
+              <a:t> </a:t>
+            </a:r>
+            <a:r>
+              <a:rPr kumimoji="0" lang="en-US" altLang="zh-CN" sz="3200" b="0" i="0" u="none" strike="noStrike" kern="1200" cap="none" spc="0" normalizeH="0" baseline="0" noProof="0" dirty="0">
+                <a:ln>
+                  <a:noFill/>
+                </a:ln>
+                <a:solidFill>
+                  <a:prstClr val="black"/>
+                </a:solidFill>
+                <a:effectLst/>
+                <a:uLnTx/>
+                <a:uFillTx/>
+                <a:latin typeface="等线" panose="020F0502020204030204"/>
+                <a:ea typeface="等线" panose="02010600030101010101" pitchFamily="2" charset="-122"/>
+                <a:cs typeface="+mn-cs"/>
+              </a:rPr>
+              <a:t>0:[2],</a:t>
+            </a:r>
+            <a:r>
+              <a:rPr kumimoji="0" lang="zh-CN" altLang="en-US" sz="3200" b="0" i="0" u="none" strike="noStrike" kern="1200" cap="none" spc="0" normalizeH="0" baseline="0" noProof="0" dirty="0">
+                <a:ln>
+                  <a:noFill/>
+                </a:ln>
+                <a:solidFill>
+                  <a:prstClr val="black"/>
+                </a:solidFill>
+                <a:effectLst/>
+                <a:uLnTx/>
+                <a:uFillTx/>
+                <a:latin typeface="等线" panose="020F0502020204030204"/>
+                <a:ea typeface="等线" panose="02010600030101010101" pitchFamily="2" charset="-122"/>
+                <a:cs typeface="+mn-cs"/>
+              </a:rPr>
+              <a:t> </a:t>
+            </a:r>
+            <a:r>
+              <a:rPr kumimoji="0" lang="en-US" altLang="zh-CN" sz="3200" b="0" i="0" u="none" strike="noStrike" kern="1200" cap="none" spc="0" normalizeH="0" baseline="0" noProof="0" dirty="0">
+                <a:ln>
+                  <a:noFill/>
+                </a:ln>
+                <a:solidFill>
+                  <a:prstClr val="black"/>
+                </a:solidFill>
+                <a:effectLst/>
+                <a:uLnTx/>
+                <a:uFillTx/>
+                <a:latin typeface="等线" panose="020F0502020204030204"/>
+                <a:ea typeface="等线" panose="02010600030101010101" pitchFamily="2" charset="-122"/>
+                <a:cs typeface="+mn-cs"/>
+              </a:rPr>
+              <a:t>1:[1,3,4,5],</a:t>
+            </a:r>
+            <a:r>
+              <a:rPr kumimoji="0" lang="zh-CN" altLang="en-US" sz="3200" b="0" i="0" u="none" strike="noStrike" kern="1200" cap="none" spc="0" normalizeH="0" baseline="0" noProof="0" dirty="0">
+                <a:ln>
+                  <a:noFill/>
+                </a:ln>
+                <a:solidFill>
+                  <a:prstClr val="black"/>
+                </a:solidFill>
+                <a:effectLst/>
+                <a:uLnTx/>
+                <a:uFillTx/>
+                <a:latin typeface="等线" panose="020F0502020204030204"/>
+                <a:ea typeface="等线" panose="02010600030101010101" pitchFamily="2" charset="-122"/>
+                <a:cs typeface="+mn-cs"/>
+              </a:rPr>
+              <a:t> </a:t>
+            </a:r>
+            <a:r>
+              <a:rPr kumimoji="0" lang="en-US" altLang="zh-CN" sz="3200" b="0" i="0" u="none" strike="noStrike" kern="1200" cap="none" spc="0" normalizeH="0" baseline="0" noProof="0" dirty="0">
+                <a:ln>
+                  <a:noFill/>
+                </a:ln>
+                <a:solidFill>
+                  <a:prstClr val="black"/>
+                </a:solidFill>
+                <a:effectLst/>
+                <a:uLnTx/>
+                <a:uFillTx/>
+                <a:latin typeface="等线" panose="020F0502020204030204"/>
+                <a:ea typeface="等线" panose="02010600030101010101" pitchFamily="2" charset="-122"/>
+                <a:cs typeface="+mn-cs"/>
+              </a:rPr>
+              <a:t>2:[0],</a:t>
+            </a:r>
+            <a:r>
+              <a:rPr kumimoji="0" lang="zh-CN" altLang="en-US" sz="3200" b="0" i="0" u="none" strike="noStrike" kern="1200" cap="none" spc="0" normalizeH="0" baseline="0" noProof="0" dirty="0">
+                <a:ln>
+                  <a:noFill/>
+                </a:ln>
+                <a:solidFill>
+                  <a:prstClr val="black"/>
+                </a:solidFill>
+                <a:effectLst/>
+                <a:uLnTx/>
+                <a:uFillTx/>
+                <a:latin typeface="等线" panose="020F0502020204030204"/>
+                <a:ea typeface="等线" panose="02010600030101010101" pitchFamily="2" charset="-122"/>
+                <a:cs typeface="+mn-cs"/>
+              </a:rPr>
+              <a:t> </a:t>
+            </a:r>
+            <a:r>
+              <a:rPr kumimoji="0" lang="en-US" altLang="zh-CN" sz="3200" b="0" i="0" u="none" strike="noStrike" kern="1200" cap="none" spc="0" normalizeH="0" baseline="0" noProof="0" dirty="0">
+                <a:ln>
+                  <a:noFill/>
+                </a:ln>
+                <a:solidFill>
+                  <a:prstClr val="black"/>
+                </a:solidFill>
+                <a:effectLst/>
+                <a:uLnTx/>
+                <a:uFillTx/>
+                <a:latin typeface="等线" panose="020F0502020204030204"/>
+                <a:ea typeface="等线" panose="02010600030101010101" pitchFamily="2" charset="-122"/>
+                <a:cs typeface="+mn-cs"/>
+              </a:rPr>
+              <a:t>3:[],</a:t>
+            </a:r>
+            <a:r>
+              <a:rPr kumimoji="0" lang="zh-CN" altLang="en-US" sz="3200" b="0" i="0" u="none" strike="noStrike" kern="1200" cap="none" spc="0" normalizeH="0" baseline="0" noProof="0" dirty="0">
+                <a:ln>
+                  <a:noFill/>
+                </a:ln>
+                <a:solidFill>
+                  <a:prstClr val="black"/>
+                </a:solidFill>
+                <a:effectLst/>
+                <a:uLnTx/>
+                <a:uFillTx/>
+                <a:latin typeface="等线" panose="020F0502020204030204"/>
+                <a:ea typeface="等线" panose="02010600030101010101" pitchFamily="2" charset="-122"/>
+                <a:cs typeface="+mn-cs"/>
+              </a:rPr>
+              <a:t> </a:t>
+            </a:r>
+            <a:r>
+              <a:rPr kumimoji="0" lang="en-US" altLang="zh-CN" sz="3200" b="0" i="0" u="none" strike="noStrike" kern="1200" cap="none" spc="0" normalizeH="0" baseline="0" noProof="0" dirty="0">
+                <a:ln>
+                  <a:noFill/>
+                </a:ln>
+                <a:solidFill>
+                  <a:prstClr val="black"/>
+                </a:solidFill>
+                <a:effectLst/>
+                <a:uLnTx/>
+                <a:uFillTx/>
+                <a:latin typeface="等线" panose="020F0502020204030204"/>
+                <a:ea typeface="等线" panose="02010600030101010101" pitchFamily="2" charset="-122"/>
+                <a:cs typeface="+mn-cs"/>
+              </a:rPr>
+              <a:t>4:[],</a:t>
+            </a:r>
+            <a:r>
+              <a:rPr kumimoji="0" lang="zh-CN" altLang="en-US" sz="3200" b="0" i="0" u="none" strike="noStrike" kern="1200" cap="none" spc="0" normalizeH="0" baseline="0" noProof="0" dirty="0">
+                <a:ln>
+                  <a:noFill/>
+                </a:ln>
+                <a:solidFill>
+                  <a:prstClr val="black"/>
+                </a:solidFill>
+                <a:effectLst/>
+                <a:uLnTx/>
+                <a:uFillTx/>
+                <a:latin typeface="等线" panose="020F0502020204030204"/>
+                <a:ea typeface="等线" panose="02010600030101010101" pitchFamily="2" charset="-122"/>
+                <a:cs typeface="+mn-cs"/>
+              </a:rPr>
+              <a:t> </a:t>
+            </a:r>
+            <a:r>
+              <a:rPr kumimoji="0" lang="en-US" altLang="zh-CN" sz="3200" b="0" i="0" u="none" strike="noStrike" kern="1200" cap="none" spc="0" normalizeH="0" baseline="0" noProof="0" dirty="0">
+                <a:ln>
+                  <a:noFill/>
+                </a:ln>
+                <a:solidFill>
+                  <a:prstClr val="black"/>
+                </a:solidFill>
+                <a:effectLst/>
+                <a:uLnTx/>
+                <a:uFillTx/>
+                <a:latin typeface="等线" panose="020F0502020204030204"/>
+                <a:ea typeface="等线" panose="02010600030101010101" pitchFamily="2" charset="-122"/>
+                <a:cs typeface="+mn-cs"/>
+              </a:rPr>
+              <a:t>5:[]}</a:t>
             </a:r>
             <a:endParaRPr kumimoji="0" lang="zh-CN" altLang="en-US" sz="3200" b="0" i="0" u="none" strike="noStrike" kern="1200" cap="none" spc="0" normalizeH="0" baseline="0" noProof="0" dirty="0">
               <a:ln>
@@ -14392,7 +15368,7 @@
 </file>
 
 <file path=ppt/slides/slide24.xml><?xml version="1.0" encoding="utf-8"?>
-<p:sld xmlns:a="http://schemas.openxmlformats.org/drawingml/2006/main" xmlns:r="http://schemas.openxmlformats.org/officeDocument/2006/relationships" xmlns:p="http://schemas.openxmlformats.org/presentationml/2006/main">
+<p:sld xmlns:a="http://schemas.openxmlformats.org/drawingml/2006/main" xmlns:r="http://schemas.openxmlformats.org/officeDocument/2006/relationships" xmlns:p="http://schemas.openxmlformats.org/presentationml/2006/main" show="0">
   <p:cSld>
     <p:spTree>
       <p:nvGrpSpPr>
@@ -16165,7 +17141,7 @@
 </file>
 
 <file path=ppt/slides/slide27.xml><?xml version="1.0" encoding="utf-8"?>
-<p:sld xmlns:a="http://schemas.openxmlformats.org/drawingml/2006/main" xmlns:r="http://schemas.openxmlformats.org/officeDocument/2006/relationships" xmlns:p="http://schemas.openxmlformats.org/presentationml/2006/main">
+<p:sld xmlns:a="http://schemas.openxmlformats.org/drawingml/2006/main" xmlns:r="http://schemas.openxmlformats.org/officeDocument/2006/relationships" xmlns:p="http://schemas.openxmlformats.org/presentationml/2006/main" show="0">
   <p:cSld>
     <p:spTree>
       <p:nvGrpSpPr>
@@ -17903,7 +18879,7 @@
 </file>
 
 <file path=ppt/slides/slide28.xml><?xml version="1.0" encoding="utf-8"?>
-<p:sld xmlns:a="http://schemas.openxmlformats.org/drawingml/2006/main" xmlns:r="http://schemas.openxmlformats.org/officeDocument/2006/relationships" xmlns:p="http://schemas.openxmlformats.org/presentationml/2006/main">
+<p:sld xmlns:a="http://schemas.openxmlformats.org/drawingml/2006/main" xmlns:r="http://schemas.openxmlformats.org/officeDocument/2006/relationships" xmlns:p="http://schemas.openxmlformats.org/presentationml/2006/main" show="0">
   <p:cSld>
     <p:spTree>
       <p:nvGrpSpPr>
@@ -20992,54 +21968,6 @@
             </a:r>
           </a:p>
           <a:p>
-            <a:r>
-              <a:rPr kumimoji="1" lang="en-US" altLang="zh-CN" dirty="0"/>
-              <a:t>In</a:t>
-            </a:r>
-            <a:r>
-              <a:rPr kumimoji="1" lang="zh-CN" altLang="en-US" dirty="0"/>
-              <a:t> </a:t>
-            </a:r>
-            <a:r>
-              <a:rPr kumimoji="1" lang="en-US" altLang="zh-CN" dirty="0"/>
-              <a:t>conclusion,</a:t>
-            </a:r>
-            <a:r>
-              <a:rPr kumimoji="1" lang="zh-CN" altLang="en-US" dirty="0"/>
-              <a:t> </a:t>
-            </a:r>
-            <a:r>
-              <a:rPr kumimoji="1" lang="en-US" altLang="zh-CN" b="1" i="1" dirty="0"/>
-              <a:t>a</a:t>
-            </a:r>
-            <a:r>
-              <a:rPr lang="en" altLang="zh-CN" b="1" i="1" dirty="0"/>
-              <a:t> cache‐oblivious algorithm is an algorithm formulated in the RAM model but analyzed in the I/O-model</a:t>
-            </a:r>
-            <a:r>
-              <a:rPr lang="zh-CN" altLang="en-US" b="1" i="1" dirty="0"/>
-              <a:t> </a:t>
-            </a:r>
-            <a:r>
-              <a:rPr lang="en-US" altLang="zh-CN" dirty="0"/>
-              <a:t>(from</a:t>
-            </a:r>
-            <a:r>
-              <a:rPr lang="zh-CN" altLang="en-US" dirty="0"/>
-              <a:t> </a:t>
-            </a:r>
-            <a:r>
-              <a:rPr lang="en-US" altLang="zh-CN" dirty="0"/>
-              <a:t>google</a:t>
-            </a:r>
-            <a:r>
-              <a:rPr lang="zh-CN" altLang="en-US" dirty="0"/>
-              <a:t> </a:t>
-            </a:r>
-            <a:r>
-              <a:rPr lang="en-US" altLang="zh-CN" dirty="0"/>
-              <a:t>search)</a:t>
-            </a:r>
             <a:endParaRPr kumimoji="1" lang="en-US" altLang="zh-CN" dirty="0"/>
           </a:p>
         </p:txBody>
@@ -21493,7 +22421,7 @@
         <p:spPr>
           <a:xfrm>
             <a:off x="934065" y="1690688"/>
-            <a:ext cx="5043948" cy="4401205"/>
+            <a:ext cx="5043948" cy="4832092"/>
           </a:xfrm>
           <a:prstGeom prst="rect">
             <a:avLst/>
@@ -21512,12 +22440,172 @@
             </a:pPr>
             <a:r>
               <a:rPr lang="en" altLang="zh-CN" sz="2800" dirty="0"/>
-              <a:t>The Euler tour technique (ETT), named after Leonhard Euler, is a method in graph theory for representing trees. </a:t>
+              <a:t>An Eulerian cycle, Eulerian circuit or Euler tour in an undirected graph is </a:t>
             </a:r>
             <a:r>
               <a:rPr lang="en" altLang="zh-CN" sz="2800" b="1" dirty="0"/>
-              <a:t>The tree is viewed as a directed graph that contains two directed edges for each edge in the tree.</a:t>
-            </a:r>
+              <a:t>a cycle that uses each edge exactly once</a:t>
+            </a:r>
+            <a:r>
+              <a:rPr lang="en" altLang="zh-CN" sz="2800" dirty="0"/>
+              <a:t>.</a:t>
+            </a:r>
+            <a:endParaRPr lang="en-US" altLang="zh-CN" sz="2800" b="1" dirty="0"/>
+          </a:p>
+          <a:p>
+            <a:pPr marL="285750" indent="-285750">
+              <a:buFont typeface="Arial" panose="020B0604020202020204" pitchFamily="34" charset="0"/>
+              <a:buChar char="•"/>
+            </a:pPr>
+            <a:r>
+              <a:rPr lang="en-US" altLang="zh-CN" sz="2800" b="1" dirty="0"/>
+              <a:t>The</a:t>
+            </a:r>
+            <a:r>
+              <a:rPr lang="zh-CN" altLang="en-US" sz="2800" b="1" dirty="0"/>
+              <a:t> </a:t>
+            </a:r>
+            <a:r>
+              <a:rPr lang="en-US" altLang="zh-CN" sz="2800" b="1" dirty="0"/>
+              <a:t>tree</a:t>
+            </a:r>
+            <a:r>
+              <a:rPr lang="zh-CN" altLang="en-US" sz="2800" b="1" dirty="0"/>
+              <a:t> </a:t>
+            </a:r>
+            <a:r>
+              <a:rPr lang="en-US" altLang="zh-CN" sz="2800" b="1" dirty="0"/>
+              <a:t>is</a:t>
+            </a:r>
+            <a:r>
+              <a:rPr lang="zh-CN" altLang="en-US" sz="2800" b="1" dirty="0"/>
+              <a:t> </a:t>
+            </a:r>
+            <a:r>
+              <a:rPr lang="en-US" altLang="zh-CN" sz="2800" b="1" dirty="0"/>
+              <a:t>viewed</a:t>
+            </a:r>
+            <a:r>
+              <a:rPr lang="zh-CN" altLang="en-US" sz="2800" b="1" dirty="0"/>
+              <a:t> </a:t>
+            </a:r>
+            <a:r>
+              <a:rPr lang="en-US" altLang="zh-CN" sz="2800" b="1" dirty="0"/>
+              <a:t>as</a:t>
+            </a:r>
+            <a:r>
+              <a:rPr lang="zh-CN" altLang="en-US" sz="2800" b="1" dirty="0"/>
+              <a:t> </a:t>
+            </a:r>
+            <a:r>
+              <a:rPr lang="en-US" altLang="zh-CN" sz="2800" b="1" dirty="0"/>
+              <a:t>a</a:t>
+            </a:r>
+            <a:r>
+              <a:rPr lang="zh-CN" altLang="en-US" sz="2800" b="1" dirty="0"/>
+              <a:t> </a:t>
+            </a:r>
+            <a:r>
+              <a:rPr lang="en-US" altLang="zh-CN" sz="2800" b="1" dirty="0"/>
+              <a:t>directed</a:t>
+            </a:r>
+            <a:r>
+              <a:rPr lang="zh-CN" altLang="en-US" sz="2800" b="1" dirty="0"/>
+              <a:t> </a:t>
+            </a:r>
+            <a:r>
+              <a:rPr lang="en-US" altLang="zh-CN" sz="2800" b="1" dirty="0"/>
+              <a:t>graph</a:t>
+            </a:r>
+            <a:r>
+              <a:rPr lang="zh-CN" altLang="en-US" sz="2800" b="1" dirty="0"/>
+              <a:t> </a:t>
+            </a:r>
+            <a:r>
+              <a:rPr lang="en-US" altLang="zh-CN" sz="2800" b="1" dirty="0"/>
+              <a:t>that</a:t>
+            </a:r>
+            <a:r>
+              <a:rPr lang="zh-CN" altLang="en-US" sz="2800" b="1" dirty="0"/>
+              <a:t> </a:t>
+            </a:r>
+            <a:r>
+              <a:rPr lang="en-US" altLang="zh-CN" sz="2800" b="1" dirty="0"/>
+              <a:t>contains</a:t>
+            </a:r>
+            <a:r>
+              <a:rPr lang="zh-CN" altLang="en-US" sz="2800" b="1" dirty="0"/>
+              <a:t> </a:t>
+            </a:r>
+            <a:r>
+              <a:rPr lang="en-US" altLang="zh-CN" sz="2800" b="1" dirty="0"/>
+              <a:t>two</a:t>
+            </a:r>
+            <a:r>
+              <a:rPr lang="zh-CN" altLang="en-US" sz="2800" b="1" dirty="0"/>
+              <a:t> </a:t>
+            </a:r>
+            <a:r>
+              <a:rPr lang="en-US" altLang="zh-CN" sz="2800" b="1" dirty="0"/>
+              <a:t>directed</a:t>
+            </a:r>
+            <a:r>
+              <a:rPr lang="zh-CN" altLang="en-US" sz="2800" b="1" dirty="0"/>
+              <a:t> </a:t>
+            </a:r>
+            <a:r>
+              <a:rPr lang="en-US" altLang="zh-CN" sz="2800" b="1" dirty="0"/>
+              <a:t>edges</a:t>
+            </a:r>
+            <a:r>
+              <a:rPr lang="zh-CN" altLang="en-US" sz="2800" b="1" dirty="0"/>
+              <a:t> </a:t>
+            </a:r>
+            <a:r>
+              <a:rPr lang="en-US" altLang="zh-CN" sz="2800" b="1" dirty="0"/>
+              <a:t>for</a:t>
+            </a:r>
+            <a:r>
+              <a:rPr lang="zh-CN" altLang="en-US" sz="2800" b="1" dirty="0"/>
+              <a:t> </a:t>
+            </a:r>
+            <a:r>
+              <a:rPr lang="en-US" altLang="zh-CN" sz="2800" b="1" dirty="0"/>
+              <a:t>each</a:t>
+            </a:r>
+            <a:r>
+              <a:rPr lang="zh-CN" altLang="en-US" sz="2800" b="1" dirty="0"/>
+              <a:t> </a:t>
+            </a:r>
+            <a:r>
+              <a:rPr lang="en-US" altLang="zh-CN" sz="2800" b="1" dirty="0"/>
+              <a:t>edge</a:t>
+            </a:r>
+            <a:r>
+              <a:rPr lang="zh-CN" altLang="en-US" sz="2800" b="1" dirty="0"/>
+              <a:t> </a:t>
+            </a:r>
+            <a:r>
+              <a:rPr lang="en-US" altLang="zh-CN" sz="2800" b="1" dirty="0"/>
+              <a:t>in</a:t>
+            </a:r>
+            <a:r>
+              <a:rPr lang="zh-CN" altLang="en-US" sz="2800" b="1" dirty="0"/>
+              <a:t> </a:t>
+            </a:r>
+            <a:r>
+              <a:rPr lang="en-US" altLang="zh-CN" sz="2800" b="1" dirty="0"/>
+              <a:t>the</a:t>
+            </a:r>
+            <a:r>
+              <a:rPr lang="zh-CN" altLang="en-US" sz="2800" b="1" dirty="0"/>
+              <a:t> </a:t>
+            </a:r>
+            <a:r>
+              <a:rPr lang="en-US" altLang="zh-CN" sz="2800" b="1" dirty="0"/>
+              <a:t>tree.</a:t>
+            </a:r>
+            <a:endParaRPr lang="en" altLang="zh-CN" sz="2800" b="1" dirty="0"/>
           </a:p>
           <a:p>
             <a:pPr marL="285750" indent="-285750">
@@ -21636,7 +22724,7 @@
                                         <p:tgtEl>
                                           <p:spTgt spid="4">
                                             <p:txEl>
-                                              <p:pRg st="1" end="1"/>
+                                              <p:pRg st="2" end="2"/>
                                             </p:txEl>
                                           </p:spTgt>
                                         </p:tgtEl>
@@ -21685,7 +22773,7 @@
                                         <p:tgtEl>
                                           <p:spTgt spid="4">
                                             <p:txEl>
-                                              <p:pRg st="2" end="2"/>
+                                              <p:pRg st="3" end="3"/>
                                             </p:txEl>
                                           </p:spTgt>
                                         </p:tgtEl>
